--- a/Class2/IntroR_Class2_Presentation.pptx
+++ b/Class2/IntroR_Class2_Presentation.pptx
@@ -5,10 +5,10 @@
     <p:sldMasterId id="2147483648" r:id="rId1"/>
   </p:sldMasterIdLst>
   <p:notesMasterIdLst>
-    <p:notesMasterId r:id="rId28"/>
+    <p:notesMasterId r:id="rId27"/>
   </p:notesMasterIdLst>
   <p:handoutMasterIdLst>
-    <p:handoutMasterId r:id="rId29"/>
+    <p:handoutMasterId r:id="rId28"/>
   </p:handoutMasterIdLst>
   <p:sldIdLst>
     <p:sldId id="265" r:id="rId2"/>
@@ -22,26 +22,25 @@
     <p:sldId id="351" r:id="rId10"/>
     <p:sldId id="358" r:id="rId11"/>
     <p:sldId id="359" r:id="rId12"/>
-    <p:sldId id="360" r:id="rId13"/>
-    <p:sldId id="361" r:id="rId14"/>
-    <p:sldId id="366" r:id="rId15"/>
-    <p:sldId id="367" r:id="rId16"/>
-    <p:sldId id="363" r:id="rId17"/>
-    <p:sldId id="364" r:id="rId18"/>
-    <p:sldId id="365" r:id="rId19"/>
-    <p:sldId id="368" r:id="rId20"/>
-    <p:sldId id="369" r:id="rId21"/>
-    <p:sldId id="370" r:id="rId22"/>
-    <p:sldId id="375" r:id="rId23"/>
-    <p:sldId id="376" r:id="rId24"/>
-    <p:sldId id="356" r:id="rId25"/>
-    <p:sldId id="378" r:id="rId26"/>
-    <p:sldId id="357" r:id="rId27"/>
+    <p:sldId id="361" r:id="rId13"/>
+    <p:sldId id="366" r:id="rId14"/>
+    <p:sldId id="367" r:id="rId15"/>
+    <p:sldId id="363" r:id="rId16"/>
+    <p:sldId id="364" r:id="rId17"/>
+    <p:sldId id="365" r:id="rId18"/>
+    <p:sldId id="368" r:id="rId19"/>
+    <p:sldId id="369" r:id="rId20"/>
+    <p:sldId id="370" r:id="rId21"/>
+    <p:sldId id="375" r:id="rId22"/>
+    <p:sldId id="376" r:id="rId23"/>
+    <p:sldId id="356" r:id="rId24"/>
+    <p:sldId id="378" r:id="rId25"/>
+    <p:sldId id="357" r:id="rId26"/>
   </p:sldIdLst>
   <p:sldSz cx="12188825" cy="6858000"/>
   <p:notesSz cx="6858000" cy="9144000"/>
   <p:custDataLst>
-    <p:tags r:id="rId30"/>
+    <p:tags r:id="rId29"/>
   </p:custDataLst>
   <p:defaultTextStyle>
     <a:defPPr>
@@ -242,7 +241,7 @@
           <a:p>
             <a:fld id="{59088EAF-6ECA-4616-85EF-35AA19C641F3}" type="datetimeFigureOut">
               <a:rPr lang="en-US"/>
-              <a:t>6/2/19</a:t>
+              <a:t>7/19/19</a:t>
             </a:fld>
             <a:endParaRPr/>
           </a:p>
@@ -407,7 +406,7 @@
           <a:p>
             <a:fld id="{3ABD2D7A-D230-4F91-BD59-0A39C2703BA8}" type="datetimeFigureOut">
               <a:rPr lang="en-US"/>
-              <a:t>6/2/19</a:t>
+              <a:t>7/19/19</a:t>
             </a:fld>
             <a:endParaRPr/>
           </a:p>
@@ -832,7 +831,7 @@
     </p:spTree>
     <p:extLst>
       <p:ext uri="{BB962C8B-B14F-4D97-AF65-F5344CB8AC3E}">
-        <p14:creationId xmlns:p14="http://schemas.microsoft.com/office/powerpoint/2010/main" val="3713188430"/>
+        <p14:creationId xmlns:p14="http://schemas.microsoft.com/office/powerpoint/2010/main" val="4267243192"/>
       </p:ext>
     </p:extLst>
   </p:cSld>
@@ -907,7 +906,7 @@
           <a:p>
             <a:fld id="{F93199CD-3E1B-4AE6-990F-76F925F5EA9F}" type="slidenum">
               <a:rPr lang="en-US" smtClean="0"/>
-              <a:t>15</a:t>
+              <a:t>16</a:t>
             </a:fld>
             <a:endParaRPr lang="en-US"/>
           </a:p>
@@ -916,7 +915,7 @@
     </p:spTree>
     <p:extLst>
       <p:ext uri="{BB962C8B-B14F-4D97-AF65-F5344CB8AC3E}">
-        <p14:creationId xmlns:p14="http://schemas.microsoft.com/office/powerpoint/2010/main" val="4267243192"/>
+        <p14:creationId xmlns:p14="http://schemas.microsoft.com/office/powerpoint/2010/main" val="1869702721"/>
       </p:ext>
     </p:extLst>
   </p:cSld>
@@ -1000,7 +999,7 @@
     </p:spTree>
     <p:extLst>
       <p:ext uri="{BB962C8B-B14F-4D97-AF65-F5344CB8AC3E}">
-        <p14:creationId xmlns:p14="http://schemas.microsoft.com/office/powerpoint/2010/main" val="1869702721"/>
+        <p14:creationId xmlns:p14="http://schemas.microsoft.com/office/powerpoint/2010/main" val="1786270358"/>
       </p:ext>
     </p:extLst>
   </p:cSld>
@@ -1075,7 +1074,7 @@
           <a:p>
             <a:fld id="{F93199CD-3E1B-4AE6-990F-76F925F5EA9F}" type="slidenum">
               <a:rPr lang="en-US" smtClean="0"/>
-              <a:t>18</a:t>
+              <a:t>19</a:t>
             </a:fld>
             <a:endParaRPr lang="en-US"/>
           </a:p>
@@ -1084,7 +1083,7 @@
     </p:spTree>
     <p:extLst>
       <p:ext uri="{BB962C8B-B14F-4D97-AF65-F5344CB8AC3E}">
-        <p14:creationId xmlns:p14="http://schemas.microsoft.com/office/powerpoint/2010/main" val="1786270358"/>
+        <p14:creationId xmlns:p14="http://schemas.microsoft.com/office/powerpoint/2010/main" val="373808013"/>
       </p:ext>
     </p:extLst>
   </p:cSld>
@@ -1168,7 +1167,7 @@
     </p:spTree>
     <p:extLst>
       <p:ext uri="{BB962C8B-B14F-4D97-AF65-F5344CB8AC3E}">
-        <p14:creationId xmlns:p14="http://schemas.microsoft.com/office/powerpoint/2010/main" val="373808013"/>
+        <p14:creationId xmlns:p14="http://schemas.microsoft.com/office/powerpoint/2010/main" val="2654518481"/>
       </p:ext>
     </p:extLst>
   </p:cSld>
@@ -1252,7 +1251,7 @@
     </p:spTree>
     <p:extLst>
       <p:ext uri="{BB962C8B-B14F-4D97-AF65-F5344CB8AC3E}">
-        <p14:creationId xmlns:p14="http://schemas.microsoft.com/office/powerpoint/2010/main" val="2654518481"/>
+        <p14:creationId xmlns:p14="http://schemas.microsoft.com/office/powerpoint/2010/main" val="1820083793"/>
       </p:ext>
     </p:extLst>
   </p:cSld>
@@ -1328,90 +1327,6 @@
             <a:fld id="{F93199CD-3E1B-4AE6-990F-76F925F5EA9F}" type="slidenum">
               <a:rPr lang="en-US" smtClean="0"/>
               <a:t>22</a:t>
-            </a:fld>
-            <a:endParaRPr lang="en-US"/>
-          </a:p>
-        </p:txBody>
-      </p:sp>
-    </p:spTree>
-    <p:extLst>
-      <p:ext uri="{BB962C8B-B14F-4D97-AF65-F5344CB8AC3E}">
-        <p14:creationId xmlns:p14="http://schemas.microsoft.com/office/powerpoint/2010/main" val="1820083793"/>
-      </p:ext>
-    </p:extLst>
-  </p:cSld>
-  <p:clrMapOvr>
-    <a:masterClrMapping/>
-  </p:clrMapOvr>
-</p:notes>
-</file>
-
-<file path=ppt/notesSlides/notesSlide17.xml><?xml version="1.0" encoding="utf-8"?>
-<p:notes xmlns:a="http://schemas.openxmlformats.org/drawingml/2006/main" xmlns:r="http://schemas.openxmlformats.org/officeDocument/2006/relationships" xmlns:p="http://schemas.openxmlformats.org/presentationml/2006/main">
-  <p:cSld>
-    <p:spTree>
-      <p:nvGrpSpPr>
-        <p:cNvPr id="1" name=""/>
-        <p:cNvGrpSpPr/>
-        <p:nvPr/>
-      </p:nvGrpSpPr>
-      <p:grpSpPr>
-        <a:xfrm>
-          <a:off x="0" y="0"/>
-          <a:ext cx="0" cy="0"/>
-          <a:chOff x="0" y="0"/>
-          <a:chExt cx="0" cy="0"/>
-        </a:xfrm>
-      </p:grpSpPr>
-      <p:sp>
-        <p:nvSpPr>
-          <p:cNvPr id="2" name="Slide Image Placeholder 1"/>
-          <p:cNvSpPr>
-            <a:spLocks noGrp="1" noRot="1" noChangeAspect="1"/>
-          </p:cNvSpPr>
-          <p:nvPr>
-            <p:ph type="sldImg"/>
-          </p:nvPr>
-        </p:nvSpPr>
-        <p:spPr/>
-      </p:sp>
-      <p:sp>
-        <p:nvSpPr>
-          <p:cNvPr id="3" name="Notes Placeholder 2"/>
-          <p:cNvSpPr>
-            <a:spLocks noGrp="1"/>
-          </p:cNvSpPr>
-          <p:nvPr>
-            <p:ph type="body" idx="1"/>
-          </p:nvPr>
-        </p:nvSpPr>
-        <p:spPr/>
-        <p:txBody>
-          <a:bodyPr/>
-          <a:lstStyle/>
-          <a:p>
-            <a:endParaRPr lang="en-US" dirty="0"/>
-          </a:p>
-        </p:txBody>
-      </p:sp>
-      <p:sp>
-        <p:nvSpPr>
-          <p:cNvPr id="4" name="Slide Number Placeholder 3"/>
-          <p:cNvSpPr>
-            <a:spLocks noGrp="1"/>
-          </p:cNvSpPr>
-          <p:nvPr>
-            <p:ph type="sldNum" sz="quarter" idx="5"/>
-          </p:nvPr>
-        </p:nvSpPr>
-        <p:spPr/>
-        <p:txBody>
-          <a:bodyPr/>
-          <a:lstStyle/>
-          <a:p>
-            <a:fld id="{F93199CD-3E1B-4AE6-990F-76F925F5EA9F}" type="slidenum">
-              <a:rPr lang="en-US" smtClean="0"/>
-              <a:t>23</a:t>
             </a:fld>
             <a:endParaRPr lang="en-US"/>
           </a:p>
@@ -2126,7 +2041,7 @@
     </p:spTree>
     <p:extLst>
       <p:ext uri="{BB962C8B-B14F-4D97-AF65-F5344CB8AC3E}">
-        <p14:creationId xmlns:p14="http://schemas.microsoft.com/office/powerpoint/2010/main" val="505399750"/>
+        <p14:creationId xmlns:p14="http://schemas.microsoft.com/office/powerpoint/2010/main" val="1497521093"/>
       </p:ext>
     </p:extLst>
   </p:cSld>
@@ -2210,7 +2125,7 @@
     </p:spTree>
     <p:extLst>
       <p:ext uri="{BB962C8B-B14F-4D97-AF65-F5344CB8AC3E}">
-        <p14:creationId xmlns:p14="http://schemas.microsoft.com/office/powerpoint/2010/main" val="1497521093"/>
+        <p14:creationId xmlns:p14="http://schemas.microsoft.com/office/powerpoint/2010/main" val="3713188430"/>
       </p:ext>
     </p:extLst>
   </p:cSld>
@@ -2553,7 +2468,7 @@
           <a:p>
             <a:fld id="{03F41C87-7AD9-4845-A077-840E4A0F3F06}" type="datetimeFigureOut">
               <a:rPr lang="en-US"/>
-              <a:t>6/2/19</a:t>
+              <a:t>7/19/19</a:t>
             </a:fld>
             <a:endParaRPr/>
           </a:p>
@@ -2745,7 +2660,7 @@
           <a:p>
             <a:fld id="{03F41C87-7AD9-4845-A077-840E4A0F3F06}" type="datetimeFigureOut">
               <a:rPr lang="en-US"/>
-              <a:t>6/2/19</a:t>
+              <a:t>7/19/19</a:t>
             </a:fld>
             <a:endParaRPr/>
           </a:p>
@@ -2934,7 +2849,7 @@
           <a:p>
             <a:fld id="{03F41C87-7AD9-4845-A077-840E4A0F3F06}" type="datetimeFigureOut">
               <a:rPr lang="en-US"/>
-              <a:t>6/2/19</a:t>
+              <a:t>7/19/19</a:t>
             </a:fld>
             <a:endParaRPr/>
           </a:p>
@@ -3200,7 +3115,7 @@
           <a:p>
             <a:fld id="{03F41C87-7AD9-4845-A077-840E4A0F3F06}" type="datetimeFigureOut">
               <a:rPr lang="en-US"/>
-              <a:t>6/2/19</a:t>
+              <a:t>7/19/19</a:t>
             </a:fld>
             <a:endParaRPr/>
           </a:p>
@@ -3504,7 +3419,7 @@
           <a:p>
             <a:fld id="{03F41C87-7AD9-4845-A077-840E4A0F3F06}" type="datetimeFigureOut">
               <a:rPr lang="en-US"/>
-              <a:t>6/2/19</a:t>
+              <a:t>7/19/19</a:t>
             </a:fld>
             <a:endParaRPr/>
           </a:p>
@@ -3960,7 +3875,7 @@
           <a:p>
             <a:fld id="{03F41C87-7AD9-4845-A077-840E4A0F3F06}" type="datetimeFigureOut">
               <a:rPr lang="en-US"/>
-              <a:t>6/2/19</a:t>
+              <a:t>7/19/19</a:t>
             </a:fld>
             <a:endParaRPr/>
           </a:p>
@@ -4090,7 +4005,7 @@
           <a:p>
             <a:fld id="{03F41C87-7AD9-4845-A077-840E4A0F3F06}" type="datetimeFigureOut">
               <a:rPr lang="en-US"/>
-              <a:t>6/2/19</a:t>
+              <a:t>7/19/19</a:t>
             </a:fld>
             <a:endParaRPr/>
           </a:p>
@@ -4197,7 +4112,7 @@
           <a:p>
             <a:fld id="{03F41C87-7AD9-4845-A077-840E4A0F3F06}" type="datetimeFigureOut">
               <a:rPr lang="en-US"/>
-              <a:t>6/2/19</a:t>
+              <a:t>7/19/19</a:t>
             </a:fld>
             <a:endParaRPr/>
           </a:p>
@@ -4505,7 +4420,7 @@
           <a:p>
             <a:fld id="{03F41C87-7AD9-4845-A077-840E4A0F3F06}" type="datetimeFigureOut">
               <a:rPr lang="en-US"/>
-              <a:t>6/2/19</a:t>
+              <a:t>7/19/19</a:t>
             </a:fld>
             <a:endParaRPr/>
           </a:p>
@@ -4803,7 +4718,7 @@
             <a:fld id="{03F41C87-7AD9-4845-A077-840E4A0F3F06}" type="datetimeFigureOut">
               <a:rPr lang="en-US"/>
               <a:pPr/>
-              <a:t>6/2/19</a:t>
+              <a:t>7/19/19</a:t>
             </a:fld>
             <a:endParaRPr/>
           </a:p>
@@ -5057,7 +4972,7 @@
             <a:fld id="{03F41C87-7AD9-4845-A077-840E4A0F3F06}" type="datetimeFigureOut">
               <a:rPr lang="en-US" smtClean="0"/>
               <a:pPr/>
-              <a:t>6/2/19</a:t>
+              <a:t>7/19/19</a:t>
             </a:fld>
             <a:endParaRPr lang="en-US"/>
           </a:p>
@@ -5657,7 +5572,7 @@
         </p:nvSpPr>
         <p:spPr>
           <a:xfrm>
-            <a:off x="1293812" y="1676400"/>
+            <a:off x="989012" y="1676400"/>
             <a:ext cx="9982200" cy="4648200"/>
           </a:xfrm>
         </p:spPr>
@@ -5684,31 +5599,6 @@
             </a:r>
           </a:p>
           <a:p>
-            <a:pPr marL="231775" lvl="1" indent="0">
-              <a:lnSpc>
-                <a:spcPct val="80000"/>
-              </a:lnSpc>
-              <a:spcAft>
-                <a:spcPts val="200"/>
-              </a:spcAft>
-              <a:buNone/>
-            </a:pPr>
-            <a:r>
-              <a:rPr lang="en-US" sz="2200" dirty="0" err="1">
-                <a:latin typeface="Arial" panose="020B0604020202020204" pitchFamily="34" charset="0"/>
-                <a:cs typeface="Arial" panose="020B0604020202020204" pitchFamily="34" charset="0"/>
-              </a:rPr>
-              <a:t>fruit.prices</a:t>
-            </a:r>
-            <a:r>
-              <a:rPr lang="en-US" sz="2200" dirty="0">
-                <a:latin typeface="Arial" panose="020B0604020202020204" pitchFamily="34" charset="0"/>
-                <a:cs typeface="Arial" panose="020B0604020202020204" pitchFamily="34" charset="0"/>
-              </a:rPr>
-              <a:t> &lt;- c(“apple”, “orange”, “banana”, 0.30, 0.40, 0.60)</a:t>
-            </a:r>
-          </a:p>
-          <a:p>
             <a:pPr>
               <a:lnSpc>
                 <a:spcPct val="80000"/>
@@ -5717,80 +5607,10 @@
                 <a:spcPts val="200"/>
               </a:spcAft>
             </a:pPr>
-            <a:r>
-              <a:rPr lang="en-US" sz="2600" dirty="0">
-                <a:latin typeface="Arial" panose="020B0604020202020204" pitchFamily="34" charset="0"/>
-                <a:cs typeface="Arial" panose="020B0604020202020204" pitchFamily="34" charset="0"/>
-              </a:rPr>
-              <a:t>Turn the vector into a matrix:</a:t>
-            </a:r>
-          </a:p>
-          <a:p>
-            <a:pPr marL="231775" lvl="1" indent="0">
-              <a:lnSpc>
-                <a:spcPct val="80000"/>
-              </a:lnSpc>
-              <a:spcAft>
-                <a:spcPts val="200"/>
-              </a:spcAft>
-              <a:buNone/>
-            </a:pPr>
-            <a:r>
-              <a:rPr lang="en-US" sz="2400" dirty="0" err="1">
-                <a:latin typeface="Arial" panose="020B0604020202020204" pitchFamily="34" charset="0"/>
-                <a:cs typeface="Arial" panose="020B0604020202020204" pitchFamily="34" charset="0"/>
-              </a:rPr>
-              <a:t>fruit.matrix</a:t>
-            </a:r>
-            <a:r>
-              <a:rPr lang="en-US" sz="2400" dirty="0">
-                <a:latin typeface="Arial" panose="020B0604020202020204" pitchFamily="34" charset="0"/>
-                <a:cs typeface="Arial" panose="020B0604020202020204" pitchFamily="34" charset="0"/>
-              </a:rPr>
-              <a:t> &lt;- matrix(</a:t>
-            </a:r>
-            <a:r>
-              <a:rPr lang="en-US" sz="2400" dirty="0" err="1">
-                <a:latin typeface="Arial" panose="020B0604020202020204" pitchFamily="34" charset="0"/>
-                <a:cs typeface="Arial" panose="020B0604020202020204" pitchFamily="34" charset="0"/>
-              </a:rPr>
-              <a:t>fruit.prices</a:t>
-            </a:r>
-            <a:r>
-              <a:rPr lang="en-US" sz="2400" dirty="0">
-                <a:latin typeface="Arial" panose="020B0604020202020204" pitchFamily="34" charset="0"/>
-                <a:cs typeface="Arial" panose="020B0604020202020204" pitchFamily="34" charset="0"/>
-              </a:rPr>
-              <a:t>, </a:t>
-            </a:r>
-            <a:r>
-              <a:rPr lang="en-US" sz="2400" dirty="0" err="1">
-                <a:latin typeface="Arial" panose="020B0604020202020204" pitchFamily="34" charset="0"/>
-                <a:cs typeface="Arial" panose="020B0604020202020204" pitchFamily="34" charset="0"/>
-              </a:rPr>
-              <a:t>byrow</a:t>
-            </a:r>
-            <a:r>
-              <a:rPr lang="en-US" sz="2400" dirty="0">
-                <a:latin typeface="Arial" panose="020B0604020202020204" pitchFamily="34" charset="0"/>
-                <a:cs typeface="Arial" panose="020B0604020202020204" pitchFamily="34" charset="0"/>
-              </a:rPr>
-              <a:t> = FALSE, </a:t>
-            </a:r>
-            <a:r>
-              <a:rPr lang="en-US" sz="2400" dirty="0" err="1">
-                <a:latin typeface="Arial" panose="020B0604020202020204" pitchFamily="34" charset="0"/>
-                <a:cs typeface="Arial" panose="020B0604020202020204" pitchFamily="34" charset="0"/>
-              </a:rPr>
-              <a:t>nrow</a:t>
-            </a:r>
-            <a:r>
-              <a:rPr lang="en-US" sz="2400" dirty="0">
-                <a:latin typeface="Arial" panose="020B0604020202020204" pitchFamily="34" charset="0"/>
-                <a:cs typeface="Arial" panose="020B0604020202020204" pitchFamily="34" charset="0"/>
-              </a:rPr>
-              <a:t> = 3) </a:t>
-            </a:r>
+            <a:endParaRPr lang="en-US" sz="2600" dirty="0">
+              <a:latin typeface="Arial" panose="020B0604020202020204" pitchFamily="34" charset="0"/>
+              <a:cs typeface="Arial" panose="020B0604020202020204" pitchFamily="34" charset="0"/>
+            </a:endParaRPr>
           </a:p>
           <a:p>
             <a:pPr>
@@ -5806,111 +5626,324 @@
                 <a:latin typeface="Arial" panose="020B0604020202020204" pitchFamily="34" charset="0"/>
                 <a:cs typeface="Arial" panose="020B0604020202020204" pitchFamily="34" charset="0"/>
               </a:rPr>
-              <a:t>Add labels:</a:t>
-            </a:r>
-            <a:endParaRPr lang="en-US" sz="2200" dirty="0">
-              <a:latin typeface="Arial" panose="020B0604020202020204" pitchFamily="34" charset="0"/>
-              <a:cs typeface="Arial" panose="020B0604020202020204" pitchFamily="34" charset="0"/>
-            </a:endParaRPr>
-          </a:p>
-          <a:p>
-            <a:pPr marL="231775" lvl="1" indent="0">
+              <a:t>Turn the vector into a matrix:</a:t>
+            </a:r>
+          </a:p>
+          <a:p>
+            <a:pPr>
               <a:lnSpc>
                 <a:spcPct val="80000"/>
               </a:lnSpc>
               <a:spcAft>
                 <a:spcPts val="200"/>
               </a:spcAft>
-              <a:buNone/>
             </a:pPr>
-            <a:r>
-              <a:rPr lang="en-US" sz="2400" dirty="0" err="1">
-                <a:latin typeface="Arial" panose="020B0604020202020204" pitchFamily="34" charset="0"/>
-                <a:cs typeface="Arial" panose="020B0604020202020204" pitchFamily="34" charset="0"/>
-              </a:rPr>
-              <a:t>fruit.matrix</a:t>
-            </a:r>
-            <a:r>
-              <a:rPr lang="en-US" sz="2400" dirty="0">
-                <a:latin typeface="Arial" panose="020B0604020202020204" pitchFamily="34" charset="0"/>
-                <a:cs typeface="Arial" panose="020B0604020202020204" pitchFamily="34" charset="0"/>
-              </a:rPr>
-              <a:t> &lt;- matrix(</a:t>
-            </a:r>
-            <a:r>
-              <a:rPr lang="en-US" sz="2400" dirty="0" err="1">
-                <a:latin typeface="Arial" panose="020B0604020202020204" pitchFamily="34" charset="0"/>
-                <a:cs typeface="Arial" panose="020B0604020202020204" pitchFamily="34" charset="0"/>
-              </a:rPr>
-              <a:t>fruit.prices</a:t>
-            </a:r>
-            <a:r>
-              <a:rPr lang="en-US" sz="2400" dirty="0">
-                <a:latin typeface="Arial" panose="020B0604020202020204" pitchFamily="34" charset="0"/>
-                <a:cs typeface="Arial" panose="020B0604020202020204" pitchFamily="34" charset="0"/>
-              </a:rPr>
-              <a:t>, </a:t>
-            </a:r>
-            <a:r>
-              <a:rPr lang="en-US" sz="2400" dirty="0" err="1">
-                <a:latin typeface="Arial" panose="020B0604020202020204" pitchFamily="34" charset="0"/>
-                <a:cs typeface="Arial" panose="020B0604020202020204" pitchFamily="34" charset="0"/>
-              </a:rPr>
-              <a:t>byrow</a:t>
-            </a:r>
-            <a:r>
-              <a:rPr lang="en-US" sz="2400" dirty="0">
-                <a:latin typeface="Arial" panose="020B0604020202020204" pitchFamily="34" charset="0"/>
-                <a:cs typeface="Arial" panose="020B0604020202020204" pitchFamily="34" charset="0"/>
-              </a:rPr>
-              <a:t> = FALSE, </a:t>
-            </a:r>
-            <a:r>
-              <a:rPr lang="en-US" sz="2400" dirty="0" err="1">
-                <a:latin typeface="Arial" panose="020B0604020202020204" pitchFamily="34" charset="0"/>
-                <a:cs typeface="Arial" panose="020B0604020202020204" pitchFamily="34" charset="0"/>
-              </a:rPr>
-              <a:t>nrow</a:t>
-            </a:r>
-            <a:r>
-              <a:rPr lang="en-US" sz="2400" dirty="0">
-                <a:latin typeface="Arial" panose="020B0604020202020204" pitchFamily="34" charset="0"/>
-                <a:cs typeface="Arial" panose="020B0604020202020204" pitchFamily="34" charset="0"/>
-              </a:rPr>
-              <a:t> = 3, </a:t>
-            </a:r>
-          </a:p>
-          <a:p>
-            <a:pPr marL="231775" lvl="1" indent="0">
+            <a:endParaRPr lang="en-US" sz="2600" dirty="0">
+              <a:latin typeface="Arial" panose="020B0604020202020204" pitchFamily="34" charset="0"/>
+              <a:cs typeface="Arial" panose="020B0604020202020204" pitchFamily="34" charset="0"/>
+            </a:endParaRPr>
+          </a:p>
+          <a:p>
+            <a:pPr>
               <a:lnSpc>
                 <a:spcPct val="80000"/>
               </a:lnSpc>
               <a:spcAft>
                 <a:spcPts val="200"/>
               </a:spcAft>
-              <a:buNone/>
             </a:pPr>
-            <a:r>
-              <a:rPr lang="en-US" sz="2400" dirty="0">
-                <a:latin typeface="Arial" panose="020B0604020202020204" pitchFamily="34" charset="0"/>
-                <a:cs typeface="Arial" panose="020B0604020202020204" pitchFamily="34" charset="0"/>
-              </a:rPr>
-              <a:t>	</a:t>
-            </a:r>
-            <a:r>
-              <a:rPr lang="en-US" sz="2400" dirty="0" err="1">
-                <a:latin typeface="Arial" panose="020B0604020202020204" pitchFamily="34" charset="0"/>
-                <a:cs typeface="Arial" panose="020B0604020202020204" pitchFamily="34" charset="0"/>
-              </a:rPr>
-              <a:t>dimnames</a:t>
-            </a:r>
-            <a:r>
-              <a:rPr lang="en-US" sz="2400" dirty="0">
-                <a:latin typeface="Arial" panose="020B0604020202020204" pitchFamily="34" charset="0"/>
-                <a:cs typeface="Arial" panose="020B0604020202020204" pitchFamily="34" charset="0"/>
-              </a:rPr>
-              <a:t> = list(c(1,2,3), c(“fruit”, “price”))) </a:t>
-            </a:r>
+            <a:endParaRPr lang="en-US" sz="2600" dirty="0">
+              <a:latin typeface="Arial" panose="020B0604020202020204" pitchFamily="34" charset="0"/>
+              <a:cs typeface="Arial" panose="020B0604020202020204" pitchFamily="34" charset="0"/>
+            </a:endParaRPr>
+          </a:p>
+          <a:p>
+            <a:pPr>
+              <a:lnSpc>
+                <a:spcPct val="80000"/>
+              </a:lnSpc>
+              <a:spcAft>
+                <a:spcPts val="200"/>
+              </a:spcAft>
+            </a:pPr>
+            <a:r>
+              <a:rPr lang="en-US" sz="2600" dirty="0">
+                <a:latin typeface="Arial" panose="020B0604020202020204" pitchFamily="34" charset="0"/>
+                <a:cs typeface="Arial" panose="020B0604020202020204" pitchFamily="34" charset="0"/>
+              </a:rPr>
+              <a:t>Add labels:</a:t>
+            </a:r>
+            <a:endParaRPr lang="en-US" sz="2200" dirty="0">
+              <a:latin typeface="Arial" panose="020B0604020202020204" pitchFamily="34" charset="0"/>
+              <a:cs typeface="Arial" panose="020B0604020202020204" pitchFamily="34" charset="0"/>
+            </a:endParaRPr>
+          </a:p>
+        </p:txBody>
+      </p:sp>
+      <p:pic>
+        <p:nvPicPr>
+          <p:cNvPr id="5" name="Picture 4">
+            <a:extLst>
+              <a:ext uri="{FF2B5EF4-FFF2-40B4-BE49-F238E27FC236}">
+                <a16:creationId xmlns:a16="http://schemas.microsoft.com/office/drawing/2014/main" id="{5E249890-E25E-7741-B97A-665044A6BD42}"/>
+              </a:ext>
+            </a:extLst>
+          </p:cNvPr>
+          <p:cNvPicPr>
+            <a:picLocks noChangeAspect="1"/>
+          </p:cNvPicPr>
+          <p:nvPr/>
+        </p:nvPicPr>
+        <p:blipFill rotWithShape="1">
+          <a:blip r:embed="rId3">
+            <a:extLst>
+              <a:ext uri="{28A0092B-C50C-407E-A947-70E740481C1C}">
+                <a14:useLocalDpi xmlns:a14="http://schemas.microsoft.com/office/drawing/2010/main" val="0"/>
+              </a:ext>
+            </a:extLst>
+          </a:blip>
+          <a:srcRect t="37854" r="77075"/>
+          <a:stretch/>
+        </p:blipFill>
+        <p:spPr>
+          <a:xfrm>
+            <a:off x="9752012" y="4876800"/>
+            <a:ext cx="2056096" cy="1395362"/>
+          </a:xfrm>
+          <a:prstGeom prst="rect">
+            <a:avLst/>
+          </a:prstGeom>
+        </p:spPr>
+      </p:pic>
+      <p:pic>
+        <p:nvPicPr>
+          <p:cNvPr id="7" name="Picture 6">
+            <a:extLst>
+              <a:ext uri="{FF2B5EF4-FFF2-40B4-BE49-F238E27FC236}">
+                <a16:creationId xmlns:a16="http://schemas.microsoft.com/office/drawing/2014/main" id="{2F29D940-FDAA-5545-A817-1FF08A0B838E}"/>
+              </a:ext>
+            </a:extLst>
+          </p:cNvPr>
+          <p:cNvPicPr>
+            <a:picLocks noChangeAspect="1"/>
+          </p:cNvPicPr>
+          <p:nvPr/>
+        </p:nvPicPr>
+        <p:blipFill rotWithShape="1">
+          <a:blip r:embed="rId4">
+            <a:extLst>
+              <a:ext uri="{28A0092B-C50C-407E-A947-70E740481C1C}">
+                <a14:useLocalDpi xmlns:a14="http://schemas.microsoft.com/office/drawing/2010/main" val="0"/>
+              </a:ext>
+            </a:extLst>
+          </a:blip>
+          <a:srcRect t="26856" r="76311"/>
+          <a:stretch/>
+        </p:blipFill>
+        <p:spPr>
+          <a:xfrm>
+            <a:off x="9828212" y="3048000"/>
+            <a:ext cx="1844243" cy="1476993"/>
+          </a:xfrm>
+          <a:prstGeom prst="rect">
+            <a:avLst/>
+          </a:prstGeom>
+        </p:spPr>
+      </p:pic>
+      <p:pic>
+        <p:nvPicPr>
+          <p:cNvPr id="10" name="Picture 9">
+            <a:extLst>
+              <a:ext uri="{FF2B5EF4-FFF2-40B4-BE49-F238E27FC236}">
+                <a16:creationId xmlns:a16="http://schemas.microsoft.com/office/drawing/2014/main" id="{A0FC9F67-FE67-7E40-8E6C-D52A8686AAD6}"/>
+              </a:ext>
+            </a:extLst>
+          </p:cNvPr>
+          <p:cNvPicPr>
+            <a:picLocks noChangeAspect="1"/>
+          </p:cNvPicPr>
+          <p:nvPr/>
+        </p:nvPicPr>
+        <p:blipFill rotWithShape="1">
+          <a:blip r:embed="rId4">
+            <a:extLst>
+              <a:ext uri="{28A0092B-C50C-407E-A947-70E740481C1C}">
+                <a14:useLocalDpi xmlns:a14="http://schemas.microsoft.com/office/drawing/2010/main" val="0"/>
+              </a:ext>
+            </a:extLst>
+          </a:blip>
+          <a:srcRect l="3263" t="-559" r="12423" b="87356"/>
+          <a:stretch/>
+        </p:blipFill>
+        <p:spPr>
+          <a:xfrm>
+            <a:off x="1325480" y="2233550"/>
+            <a:ext cx="7482835" cy="303923"/>
+          </a:xfrm>
+          <a:prstGeom prst="rect">
+            <a:avLst/>
+          </a:prstGeom>
+        </p:spPr>
+      </p:pic>
+      <p:pic>
+        <p:nvPicPr>
+          <p:cNvPr id="11" name="Picture 10">
+            <a:extLst>
+              <a:ext uri="{FF2B5EF4-FFF2-40B4-BE49-F238E27FC236}">
+                <a16:creationId xmlns:a16="http://schemas.microsoft.com/office/drawing/2014/main" id="{DBF0CE7B-4E86-CD4D-8E80-B834081ABCCF}"/>
+              </a:ext>
+            </a:extLst>
+          </p:cNvPr>
+          <p:cNvPicPr>
+            <a:picLocks noChangeAspect="1"/>
+          </p:cNvPicPr>
+          <p:nvPr/>
+        </p:nvPicPr>
+        <p:blipFill rotWithShape="1">
+          <a:blip r:embed="rId3">
+            <a:extLst>
+              <a:ext uri="{28A0092B-C50C-407E-A947-70E740481C1C}">
+                <a14:useLocalDpi xmlns:a14="http://schemas.microsoft.com/office/drawing/2010/main" val="0"/>
+              </a:ext>
+            </a:extLst>
+          </a:blip>
+          <a:srcRect l="2784" b="74706"/>
+          <a:stretch/>
+        </p:blipFill>
+        <p:spPr>
+          <a:xfrm>
+            <a:off x="684212" y="5334000"/>
+            <a:ext cx="8534400" cy="555891"/>
+          </a:xfrm>
+          <a:prstGeom prst="rect">
+            <a:avLst/>
+          </a:prstGeom>
+        </p:spPr>
+      </p:pic>
+      <p:pic>
+        <p:nvPicPr>
+          <p:cNvPr id="12" name="Picture 11">
+            <a:extLst>
+              <a:ext uri="{FF2B5EF4-FFF2-40B4-BE49-F238E27FC236}">
+                <a16:creationId xmlns:a16="http://schemas.microsoft.com/office/drawing/2014/main" id="{C292FDB6-FEDC-7241-B851-C6AF4B22DE0A}"/>
+              </a:ext>
+            </a:extLst>
+          </p:cNvPr>
+          <p:cNvPicPr>
+            <a:picLocks noChangeAspect="1"/>
+          </p:cNvPicPr>
+          <p:nvPr/>
+        </p:nvPicPr>
+        <p:blipFill rotWithShape="1">
+          <a:blip r:embed="rId4">
+            <a:extLst>
+              <a:ext uri="{28A0092B-C50C-407E-A947-70E740481C1C}">
+                <a14:useLocalDpi xmlns:a14="http://schemas.microsoft.com/office/drawing/2010/main" val="0"/>
+              </a:ext>
+            </a:extLst>
+          </a:blip>
+          <a:srcRect l="2918" t="13036" b="71086"/>
+          <a:stretch/>
+        </p:blipFill>
+        <p:spPr>
+          <a:xfrm>
+            <a:off x="1674812" y="3581400"/>
+            <a:ext cx="7467600" cy="316804"/>
+          </a:xfrm>
+          <a:prstGeom prst="rect">
+            <a:avLst/>
+          </a:prstGeom>
+        </p:spPr>
+      </p:pic>
+      <p:sp>
+        <p:nvSpPr>
+          <p:cNvPr id="8" name="Right Arrow 7">
+            <a:extLst>
+              <a:ext uri="{FF2B5EF4-FFF2-40B4-BE49-F238E27FC236}">
+                <a16:creationId xmlns:a16="http://schemas.microsoft.com/office/drawing/2014/main" id="{733191A5-EA4F-384A-9CBE-FA47C3792986}"/>
+              </a:ext>
+            </a:extLst>
+          </p:cNvPr>
+          <p:cNvSpPr/>
+          <p:nvPr/>
+        </p:nvSpPr>
+        <p:spPr>
+          <a:xfrm>
+            <a:off x="9294812" y="3581400"/>
+            <a:ext cx="381000" cy="304800"/>
+          </a:xfrm>
+          <a:prstGeom prst="rightArrow">
+            <a:avLst/>
+          </a:prstGeom>
+        </p:spPr>
+        <p:style>
+          <a:lnRef idx="2">
+            <a:schemeClr val="accent1">
+              <a:shade val="50000"/>
+            </a:schemeClr>
+          </a:lnRef>
+          <a:fillRef idx="1">
+            <a:schemeClr val="accent1"/>
+          </a:fillRef>
+          <a:effectRef idx="0">
+            <a:schemeClr val="accent1"/>
+          </a:effectRef>
+          <a:fontRef idx="minor">
+            <a:schemeClr val="lt1"/>
+          </a:fontRef>
+        </p:style>
+        <p:txBody>
+          <a:bodyPr rtlCol="0" anchor="ctr"/>
+          <a:lstStyle/>
+          <a:p>
+            <a:pPr algn="ctr"/>
+            <a:endParaRPr lang="en-US"/>
+          </a:p>
+        </p:txBody>
+      </p:sp>
+      <p:sp>
+        <p:nvSpPr>
+          <p:cNvPr id="15" name="Right Arrow 14">
+            <a:extLst>
+              <a:ext uri="{FF2B5EF4-FFF2-40B4-BE49-F238E27FC236}">
+                <a16:creationId xmlns:a16="http://schemas.microsoft.com/office/drawing/2014/main" id="{3D34DE44-8B13-9848-864A-C594D0623132}"/>
+              </a:ext>
+            </a:extLst>
+          </p:cNvPr>
+          <p:cNvSpPr/>
+          <p:nvPr/>
+        </p:nvSpPr>
+        <p:spPr>
+          <a:xfrm>
+            <a:off x="9294812" y="5486400"/>
+            <a:ext cx="381000" cy="304800"/>
+          </a:xfrm>
+          <a:prstGeom prst="rightArrow">
+            <a:avLst/>
+          </a:prstGeom>
+        </p:spPr>
+        <p:style>
+          <a:lnRef idx="2">
+            <a:schemeClr val="accent1">
+              <a:shade val="50000"/>
+            </a:schemeClr>
+          </a:lnRef>
+          <a:fillRef idx="1">
+            <a:schemeClr val="accent1"/>
+          </a:fillRef>
+          <a:effectRef idx="0">
+            <a:schemeClr val="accent1"/>
+          </a:effectRef>
+          <a:fontRef idx="minor">
+            <a:schemeClr val="lt1"/>
+          </a:fontRef>
+        </p:style>
+        <p:txBody>
+          <a:bodyPr rtlCol="0" anchor="ctr"/>
+          <a:lstStyle/>
+          <a:p>
+            <a:pPr algn="ctr"/>
+            <a:endParaRPr lang="en-US"/>
           </a:p>
         </p:txBody>
       </p:sp>
@@ -6038,7 +6071,7 @@
                 <a:latin typeface="Arial" panose="020B0604020202020204" pitchFamily="34" charset="0"/>
                 <a:cs typeface="Arial" panose="020B0604020202020204" pitchFamily="34" charset="0"/>
               </a:rPr>
-              <a:t>If we want to purchase three of each fruit and want the total price</a:t>
+              <a:t>If we want to purchase three of each fruit and want the total price we can multiply each value by 3</a:t>
             </a:r>
             <a:endParaRPr lang="en-US" sz="2400" dirty="0">
               <a:latin typeface="Arial" panose="020B0604020202020204" pitchFamily="34" charset="0"/>
@@ -6047,42 +6080,6 @@
           </a:p>
         </p:txBody>
       </p:sp>
-      <p:pic>
-        <p:nvPicPr>
-          <p:cNvPr id="3" name="Picture 2">
-            <a:extLst>
-              <a:ext uri="{FF2B5EF4-FFF2-40B4-BE49-F238E27FC236}">
-                <a16:creationId xmlns:a16="http://schemas.microsoft.com/office/drawing/2014/main" id="{76BC6C27-0357-EA4E-BB91-F23B0BCCF71F}"/>
-              </a:ext>
-            </a:extLst>
-          </p:cNvPr>
-          <p:cNvPicPr>
-            <a:picLocks noChangeAspect="1"/>
-          </p:cNvPicPr>
-          <p:nvPr/>
-        </p:nvPicPr>
-        <p:blipFill>
-          <a:blip r:embed="rId3">
-            <a:extLst>
-              <a:ext uri="{28A0092B-C50C-407E-A947-70E740481C1C}">
-                <a14:useLocalDpi xmlns:a14="http://schemas.microsoft.com/office/drawing/2010/main" val="0"/>
-              </a:ext>
-            </a:extLst>
-          </a:blip>
-          <a:stretch>
-            <a:fillRect/>
-          </a:stretch>
-        </p:blipFill>
-        <p:spPr>
-          <a:xfrm>
-            <a:off x="7618412" y="1905000"/>
-            <a:ext cx="2971800" cy="4081272"/>
-          </a:xfrm>
-          <a:prstGeom prst="rect">
-            <a:avLst/>
-          </a:prstGeom>
-        </p:spPr>
-      </p:pic>
       <p:sp>
         <p:nvSpPr>
           <p:cNvPr id="6" name="Right Arrow 5">
@@ -6129,6 +6126,42 @@
           </a:p>
         </p:txBody>
       </p:sp>
+      <p:pic>
+        <p:nvPicPr>
+          <p:cNvPr id="4" name="Picture 3">
+            <a:extLst>
+              <a:ext uri="{FF2B5EF4-FFF2-40B4-BE49-F238E27FC236}">
+                <a16:creationId xmlns:a16="http://schemas.microsoft.com/office/drawing/2014/main" id="{48E92E07-7559-A749-8DE8-32025E1157E5}"/>
+              </a:ext>
+            </a:extLst>
+          </p:cNvPr>
+          <p:cNvPicPr>
+            <a:picLocks noChangeAspect="1"/>
+          </p:cNvPicPr>
+          <p:nvPr/>
+        </p:nvPicPr>
+        <p:blipFill>
+          <a:blip r:embed="rId3">
+            <a:extLst>
+              <a:ext uri="{28A0092B-C50C-407E-A947-70E740481C1C}">
+                <a14:useLocalDpi xmlns:a14="http://schemas.microsoft.com/office/drawing/2010/main" val="0"/>
+              </a:ext>
+            </a:extLst>
+          </a:blip>
+          <a:stretch>
+            <a:fillRect/>
+          </a:stretch>
+        </p:blipFill>
+        <p:spPr>
+          <a:xfrm>
+            <a:off x="7770812" y="1904999"/>
+            <a:ext cx="2743200" cy="3782045"/>
+          </a:xfrm>
+          <a:prstGeom prst="rect">
+            <a:avLst/>
+          </a:prstGeom>
+        </p:spPr>
+      </p:pic>
     </p:spTree>
     <p:extLst>
       <p:ext uri="{BB962C8B-B14F-4D97-AF65-F5344CB8AC3E}">
@@ -6155,368 +6188,6 @@
 </file>
 
 <file path=ppt/slides/slide12.xml><?xml version="1.0" encoding="utf-8"?>
-<p:sld xmlns:a="http://schemas.openxmlformats.org/drawingml/2006/main" xmlns:r="http://schemas.openxmlformats.org/officeDocument/2006/relationships" xmlns:p="http://schemas.openxmlformats.org/presentationml/2006/main">
-  <p:cSld>
-    <p:spTree>
-      <p:nvGrpSpPr>
-        <p:cNvPr id="1" name=""/>
-        <p:cNvGrpSpPr/>
-        <p:nvPr/>
-      </p:nvGrpSpPr>
-      <p:grpSpPr>
-        <a:xfrm>
-          <a:off x="0" y="0"/>
-          <a:ext cx="0" cy="0"/>
-          <a:chOff x="0" y="0"/>
-          <a:chExt cx="0" cy="0"/>
-        </a:xfrm>
-      </p:grpSpPr>
-      <p:sp>
-        <p:nvSpPr>
-          <p:cNvPr id="13" name="Title 12"/>
-          <p:cNvSpPr>
-            <a:spLocks noGrp="1"/>
-          </p:cNvSpPr>
-          <p:nvPr>
-            <p:ph type="title"/>
-          </p:nvPr>
-        </p:nvSpPr>
-        <p:spPr>
-          <a:xfrm>
-            <a:off x="1179513" y="0"/>
-            <a:ext cx="9334499" cy="1371600"/>
-          </a:xfrm>
-        </p:spPr>
-        <p:txBody>
-          <a:bodyPr/>
-          <a:lstStyle/>
-          <a:p>
-            <a:r>
-              <a:rPr lang="en-US" dirty="0">
-                <a:latin typeface="Arial" panose="020B0604020202020204" pitchFamily="34" charset="0"/>
-                <a:cs typeface="Arial" panose="020B0604020202020204" pitchFamily="34" charset="0"/>
-              </a:rPr>
-              <a:t>Creating a Matrix</a:t>
-            </a:r>
-          </a:p>
-        </p:txBody>
-      </p:sp>
-      <p:sp>
-        <p:nvSpPr>
-          <p:cNvPr id="14" name="Content Placeholder 13"/>
-          <p:cNvSpPr>
-            <a:spLocks noGrp="1"/>
-          </p:cNvSpPr>
-          <p:nvPr>
-            <p:ph idx="1"/>
-          </p:nvPr>
-        </p:nvSpPr>
-        <p:spPr>
-          <a:xfrm>
-            <a:off x="1293812" y="1676400"/>
-            <a:ext cx="9982200" cy="4648200"/>
-          </a:xfrm>
-        </p:spPr>
-        <p:txBody>
-          <a:bodyPr numCol="1">
-            <a:noAutofit/>
-          </a:bodyPr>
-          <a:lstStyle/>
-          <a:p>
-            <a:pPr>
-              <a:lnSpc>
-                <a:spcPct val="80000"/>
-              </a:lnSpc>
-              <a:spcAft>
-                <a:spcPts val="200"/>
-              </a:spcAft>
-            </a:pPr>
-            <a:r>
-              <a:rPr lang="en-US" sz="2600" dirty="0">
-                <a:latin typeface="Arial" panose="020B0604020202020204" pitchFamily="34" charset="0"/>
-                <a:cs typeface="Arial" panose="020B0604020202020204" pitchFamily="34" charset="0"/>
-              </a:rPr>
-              <a:t>Create a vector</a:t>
-            </a:r>
-          </a:p>
-          <a:p>
-            <a:pPr marL="231775" lvl="1" indent="0">
-              <a:lnSpc>
-                <a:spcPct val="80000"/>
-              </a:lnSpc>
-              <a:spcAft>
-                <a:spcPts val="200"/>
-              </a:spcAft>
-              <a:buNone/>
-            </a:pPr>
-            <a:r>
-              <a:rPr lang="en-US" sz="2200" b="1" dirty="0">
-                <a:latin typeface="Arial" panose="020B0604020202020204" pitchFamily="34" charset="0"/>
-                <a:cs typeface="Arial" panose="020B0604020202020204" pitchFamily="34" charset="0"/>
-              </a:rPr>
-              <a:t>	</a:t>
-            </a:r>
-            <a:r>
-              <a:rPr lang="en-US" sz="2200" b="1" dirty="0" err="1">
-                <a:latin typeface="Arial" panose="020B0604020202020204" pitchFamily="34" charset="0"/>
-                <a:cs typeface="Arial" panose="020B0604020202020204" pitchFamily="34" charset="0"/>
-              </a:rPr>
-              <a:t>fruit.prices</a:t>
-            </a:r>
-            <a:r>
-              <a:rPr lang="en-US" sz="2200" b="1" dirty="0">
-                <a:latin typeface="Arial" panose="020B0604020202020204" pitchFamily="34" charset="0"/>
-                <a:cs typeface="Arial" panose="020B0604020202020204" pitchFamily="34" charset="0"/>
-              </a:rPr>
-              <a:t> &lt;- c(“apple”, “orange”, “banana”, 0.30, 0.40, 0.60)</a:t>
-            </a:r>
-          </a:p>
-          <a:p>
-            <a:pPr>
-              <a:lnSpc>
-                <a:spcPct val="80000"/>
-              </a:lnSpc>
-              <a:spcAft>
-                <a:spcPts val="200"/>
-              </a:spcAft>
-            </a:pPr>
-            <a:r>
-              <a:rPr lang="en-US" sz="2600" dirty="0">
-                <a:latin typeface="Arial" panose="020B0604020202020204" pitchFamily="34" charset="0"/>
-                <a:cs typeface="Arial" panose="020B0604020202020204" pitchFamily="34" charset="0"/>
-              </a:rPr>
-              <a:t>Turn the vector into a matrix:</a:t>
-            </a:r>
-          </a:p>
-          <a:p>
-            <a:pPr marL="231775" lvl="1" indent="0">
-              <a:lnSpc>
-                <a:spcPct val="80000"/>
-              </a:lnSpc>
-              <a:spcAft>
-                <a:spcPts val="200"/>
-              </a:spcAft>
-              <a:buNone/>
-            </a:pPr>
-            <a:r>
-              <a:rPr lang="en-US" sz="2400" dirty="0">
-                <a:latin typeface="Arial" panose="020B0604020202020204" pitchFamily="34" charset="0"/>
-                <a:cs typeface="Arial" panose="020B0604020202020204" pitchFamily="34" charset="0"/>
-              </a:rPr>
-              <a:t>	</a:t>
-            </a:r>
-            <a:r>
-              <a:rPr lang="en-US" sz="2400" b="1" dirty="0" err="1">
-                <a:latin typeface="Arial" panose="020B0604020202020204" pitchFamily="34" charset="0"/>
-                <a:cs typeface="Arial" panose="020B0604020202020204" pitchFamily="34" charset="0"/>
-              </a:rPr>
-              <a:t>fruit.matrix</a:t>
-            </a:r>
-            <a:r>
-              <a:rPr lang="en-US" sz="2400" b="1" dirty="0">
-                <a:latin typeface="Arial" panose="020B0604020202020204" pitchFamily="34" charset="0"/>
-                <a:cs typeface="Arial" panose="020B0604020202020204" pitchFamily="34" charset="0"/>
-              </a:rPr>
-              <a:t> &lt;- matrix(</a:t>
-            </a:r>
-            <a:r>
-              <a:rPr lang="en-US" sz="2400" b="1" dirty="0" err="1">
-                <a:latin typeface="Arial" panose="020B0604020202020204" pitchFamily="34" charset="0"/>
-                <a:cs typeface="Arial" panose="020B0604020202020204" pitchFamily="34" charset="0"/>
-              </a:rPr>
-              <a:t>fruit.prices</a:t>
-            </a:r>
-            <a:r>
-              <a:rPr lang="en-US" sz="2400" b="1" dirty="0">
-                <a:latin typeface="Arial" panose="020B0604020202020204" pitchFamily="34" charset="0"/>
-                <a:cs typeface="Arial" panose="020B0604020202020204" pitchFamily="34" charset="0"/>
-              </a:rPr>
-              <a:t>, </a:t>
-            </a:r>
-            <a:r>
-              <a:rPr lang="en-US" sz="2400" b="1" dirty="0" err="1">
-                <a:latin typeface="Arial" panose="020B0604020202020204" pitchFamily="34" charset="0"/>
-                <a:cs typeface="Arial" panose="020B0604020202020204" pitchFamily="34" charset="0"/>
-              </a:rPr>
-              <a:t>byrow</a:t>
-            </a:r>
-            <a:r>
-              <a:rPr lang="en-US" sz="2400" b="1" dirty="0">
-                <a:latin typeface="Arial" panose="020B0604020202020204" pitchFamily="34" charset="0"/>
-                <a:cs typeface="Arial" panose="020B0604020202020204" pitchFamily="34" charset="0"/>
-              </a:rPr>
-              <a:t> = FALSE, </a:t>
-            </a:r>
-            <a:r>
-              <a:rPr lang="en-US" sz="2400" b="1" dirty="0" err="1">
-                <a:latin typeface="Arial" panose="020B0604020202020204" pitchFamily="34" charset="0"/>
-                <a:cs typeface="Arial" panose="020B0604020202020204" pitchFamily="34" charset="0"/>
-              </a:rPr>
-              <a:t>nrow</a:t>
-            </a:r>
-            <a:r>
-              <a:rPr lang="en-US" sz="2400" b="1" dirty="0">
-                <a:latin typeface="Arial" panose="020B0604020202020204" pitchFamily="34" charset="0"/>
-                <a:cs typeface="Arial" panose="020B0604020202020204" pitchFamily="34" charset="0"/>
-              </a:rPr>
-              <a:t> = 3) </a:t>
-            </a:r>
-          </a:p>
-          <a:p>
-            <a:pPr>
-              <a:lnSpc>
-                <a:spcPct val="80000"/>
-              </a:lnSpc>
-              <a:spcAft>
-                <a:spcPts val="200"/>
-              </a:spcAft>
-            </a:pPr>
-            <a:r>
-              <a:rPr lang="en-US" sz="2600" dirty="0">
-                <a:latin typeface="Arial" panose="020B0604020202020204" pitchFamily="34" charset="0"/>
-                <a:cs typeface="Arial" panose="020B0604020202020204" pitchFamily="34" charset="0"/>
-              </a:rPr>
-              <a:t>Add labels:</a:t>
-            </a:r>
-            <a:endParaRPr lang="en-US" sz="2200" dirty="0">
-              <a:latin typeface="Arial" panose="020B0604020202020204" pitchFamily="34" charset="0"/>
-              <a:cs typeface="Arial" panose="020B0604020202020204" pitchFamily="34" charset="0"/>
-            </a:endParaRPr>
-          </a:p>
-          <a:p>
-            <a:pPr marL="231775" lvl="1" indent="0">
-              <a:lnSpc>
-                <a:spcPct val="80000"/>
-              </a:lnSpc>
-              <a:spcAft>
-                <a:spcPts val="200"/>
-              </a:spcAft>
-              <a:buNone/>
-            </a:pPr>
-            <a:r>
-              <a:rPr lang="en-US" sz="2400" b="1" dirty="0">
-                <a:latin typeface="Arial" panose="020B0604020202020204" pitchFamily="34" charset="0"/>
-                <a:cs typeface="Arial" panose="020B0604020202020204" pitchFamily="34" charset="0"/>
-              </a:rPr>
-              <a:t>	</a:t>
-            </a:r>
-            <a:r>
-              <a:rPr lang="en-US" sz="2400" b="1" dirty="0" err="1">
-                <a:latin typeface="Arial" panose="020B0604020202020204" pitchFamily="34" charset="0"/>
-                <a:cs typeface="Arial" panose="020B0604020202020204" pitchFamily="34" charset="0"/>
-              </a:rPr>
-              <a:t>fruit.matrix</a:t>
-            </a:r>
-            <a:r>
-              <a:rPr lang="en-US" sz="2400" b="1" dirty="0">
-                <a:latin typeface="Arial" panose="020B0604020202020204" pitchFamily="34" charset="0"/>
-                <a:cs typeface="Arial" panose="020B0604020202020204" pitchFamily="34" charset="0"/>
-              </a:rPr>
-              <a:t> &lt;- matrix(</a:t>
-            </a:r>
-            <a:r>
-              <a:rPr lang="en-US" sz="2400" b="1" dirty="0" err="1">
-                <a:latin typeface="Arial" panose="020B0604020202020204" pitchFamily="34" charset="0"/>
-                <a:cs typeface="Arial" panose="020B0604020202020204" pitchFamily="34" charset="0"/>
-              </a:rPr>
-              <a:t>fruit.prices</a:t>
-            </a:r>
-            <a:r>
-              <a:rPr lang="en-US" sz="2400" b="1" dirty="0">
-                <a:latin typeface="Arial" panose="020B0604020202020204" pitchFamily="34" charset="0"/>
-                <a:cs typeface="Arial" panose="020B0604020202020204" pitchFamily="34" charset="0"/>
-              </a:rPr>
-              <a:t>, </a:t>
-            </a:r>
-            <a:r>
-              <a:rPr lang="en-US" sz="2400" b="1" dirty="0" err="1">
-                <a:latin typeface="Arial" panose="020B0604020202020204" pitchFamily="34" charset="0"/>
-                <a:cs typeface="Arial" panose="020B0604020202020204" pitchFamily="34" charset="0"/>
-              </a:rPr>
-              <a:t>byrow</a:t>
-            </a:r>
-            <a:r>
-              <a:rPr lang="en-US" sz="2400" b="1" dirty="0">
-                <a:latin typeface="Arial" panose="020B0604020202020204" pitchFamily="34" charset="0"/>
-                <a:cs typeface="Arial" panose="020B0604020202020204" pitchFamily="34" charset="0"/>
-              </a:rPr>
-              <a:t> = FALSE, </a:t>
-            </a:r>
-            <a:r>
-              <a:rPr lang="en-US" sz="2400" b="1" dirty="0" err="1">
-                <a:latin typeface="Arial" panose="020B0604020202020204" pitchFamily="34" charset="0"/>
-                <a:cs typeface="Arial" panose="020B0604020202020204" pitchFamily="34" charset="0"/>
-              </a:rPr>
-              <a:t>nrow</a:t>
-            </a:r>
-            <a:r>
-              <a:rPr lang="en-US" sz="2400" b="1" dirty="0">
-                <a:latin typeface="Arial" panose="020B0604020202020204" pitchFamily="34" charset="0"/>
-                <a:cs typeface="Arial" panose="020B0604020202020204" pitchFamily="34" charset="0"/>
-              </a:rPr>
-              <a:t> = 3, </a:t>
-            </a:r>
-          </a:p>
-          <a:p>
-            <a:pPr marL="231775" lvl="1" indent="0">
-              <a:lnSpc>
-                <a:spcPct val="80000"/>
-              </a:lnSpc>
-              <a:spcAft>
-                <a:spcPts val="200"/>
-              </a:spcAft>
-              <a:buNone/>
-            </a:pPr>
-            <a:r>
-              <a:rPr lang="en-US" sz="2400" b="1" dirty="0">
-                <a:latin typeface="Arial" panose="020B0604020202020204" pitchFamily="34" charset="0"/>
-                <a:cs typeface="Arial" panose="020B0604020202020204" pitchFamily="34" charset="0"/>
-              </a:rPr>
-              <a:t>		</a:t>
-            </a:r>
-            <a:r>
-              <a:rPr lang="en-US" sz="2400" b="1" dirty="0" err="1">
-                <a:latin typeface="Arial" panose="020B0604020202020204" pitchFamily="34" charset="0"/>
-                <a:cs typeface="Arial" panose="020B0604020202020204" pitchFamily="34" charset="0"/>
-              </a:rPr>
-              <a:t>dimnames</a:t>
-            </a:r>
-            <a:r>
-              <a:rPr lang="en-US" sz="2400" b="1" dirty="0">
-                <a:latin typeface="Arial" panose="020B0604020202020204" pitchFamily="34" charset="0"/>
-                <a:cs typeface="Arial" panose="020B0604020202020204" pitchFamily="34" charset="0"/>
-              </a:rPr>
-              <a:t> = list(c(1,2,3), c(“fruit”, “price”))) </a:t>
-            </a:r>
-          </a:p>
-        </p:txBody>
-      </p:sp>
-    </p:spTree>
-    <p:extLst>
-      <p:ext uri="{BB962C8B-B14F-4D97-AF65-F5344CB8AC3E}">
-        <p14:creationId xmlns:p14="http://schemas.microsoft.com/office/powerpoint/2010/main" val="4055489576"/>
-      </p:ext>
-    </p:extLst>
-  </p:cSld>
-  <p:clrMapOvr>
-    <a:masterClrMapping/>
-  </p:clrMapOvr>
-  <mc:AlternateContent xmlns:mc="http://schemas.openxmlformats.org/markup-compatibility/2006" xmlns:p14="http://schemas.microsoft.com/office/powerpoint/2010/main">
-    <mc:Choice Requires="p14">
-      <p:transition spd="med" p14:dur="700">
-        <p:fade/>
-      </p:transition>
-    </mc:Choice>
-    <mc:Fallback xmlns="">
-      <p:transition spd="med">
-        <p:fade/>
-      </p:transition>
-    </mc:Fallback>
-  </mc:AlternateContent>
-</p:sld>
-</file>
-
-<file path=ppt/slides/slide13.xml><?xml version="1.0" encoding="utf-8"?>
 <p:sld xmlns:a="http://schemas.openxmlformats.org/drawingml/2006/main" xmlns:r="http://schemas.openxmlformats.org/officeDocument/2006/relationships" xmlns:p="http://schemas.openxmlformats.org/presentationml/2006/main">
   <p:cSld>
     <p:spTree>
@@ -6818,12 +6489,10 @@
             <a:avLst/>
           </a:prstGeom>
           <a:solidFill>
-            <a:schemeClr val="accent3"/>
+            <a:srgbClr val="00B0F0"/>
           </a:solidFill>
           <a:ln>
-            <a:solidFill>
-              <a:schemeClr val="accent3"/>
-            </a:solidFill>
+            <a:noFill/>
           </a:ln>
         </p:spPr>
         <p:style>
@@ -6859,6 +6528,200 @@
     <p:extLst>
       <p:ext uri="{BB962C8B-B14F-4D97-AF65-F5344CB8AC3E}">
         <p14:creationId xmlns:p14="http://schemas.microsoft.com/office/powerpoint/2010/main" val="2908157215"/>
+      </p:ext>
+    </p:extLst>
+  </p:cSld>
+  <p:clrMapOvr>
+    <a:masterClrMapping/>
+  </p:clrMapOvr>
+  <mc:AlternateContent xmlns:mc="http://schemas.openxmlformats.org/markup-compatibility/2006" xmlns:p14="http://schemas.microsoft.com/office/powerpoint/2010/main">
+    <mc:Choice Requires="p14">
+      <p:transition spd="med" p14:dur="700">
+        <p:fade/>
+      </p:transition>
+    </mc:Choice>
+    <mc:Fallback xmlns="">
+      <p:transition spd="med">
+        <p:fade/>
+      </p:transition>
+    </mc:Fallback>
+  </mc:AlternateContent>
+</p:sld>
+</file>
+
+<file path=ppt/slides/slide13.xml><?xml version="1.0" encoding="utf-8"?>
+<p:sld xmlns:a="http://schemas.openxmlformats.org/drawingml/2006/main" xmlns:r="http://schemas.openxmlformats.org/officeDocument/2006/relationships" xmlns:p="http://schemas.openxmlformats.org/presentationml/2006/main">
+  <p:cSld>
+    <p:spTree>
+      <p:nvGrpSpPr>
+        <p:cNvPr id="1" name=""/>
+        <p:cNvGrpSpPr/>
+        <p:nvPr/>
+      </p:nvGrpSpPr>
+      <p:grpSpPr>
+        <a:xfrm>
+          <a:off x="0" y="0"/>
+          <a:ext cx="0" cy="0"/>
+          <a:chOff x="0" y="0"/>
+          <a:chExt cx="0" cy="0"/>
+        </a:xfrm>
+      </p:grpSpPr>
+      <p:sp>
+        <p:nvSpPr>
+          <p:cNvPr id="13" name="Title 12"/>
+          <p:cNvSpPr>
+            <a:spLocks noGrp="1"/>
+          </p:cNvSpPr>
+          <p:nvPr>
+            <p:ph type="title"/>
+          </p:nvPr>
+        </p:nvSpPr>
+        <p:spPr>
+          <a:xfrm>
+            <a:off x="1179513" y="0"/>
+            <a:ext cx="9334499" cy="1371600"/>
+          </a:xfrm>
+        </p:spPr>
+        <p:txBody>
+          <a:bodyPr/>
+          <a:lstStyle/>
+          <a:p>
+            <a:r>
+              <a:rPr lang="en-US" dirty="0">
+                <a:latin typeface="Arial" panose="020B0604020202020204" pitchFamily="34" charset="0"/>
+                <a:cs typeface="Arial" panose="020B0604020202020204" pitchFamily="34" charset="0"/>
+              </a:rPr>
+              <a:t>More on Data Frames</a:t>
+            </a:r>
+          </a:p>
+        </p:txBody>
+      </p:sp>
+      <p:sp>
+        <p:nvSpPr>
+          <p:cNvPr id="14" name="Content Placeholder 13"/>
+          <p:cNvSpPr>
+            <a:spLocks noGrp="1"/>
+          </p:cNvSpPr>
+          <p:nvPr>
+            <p:ph idx="1"/>
+          </p:nvPr>
+        </p:nvSpPr>
+        <p:spPr>
+          <a:xfrm>
+            <a:off x="1293812" y="1676400"/>
+            <a:ext cx="9982200" cy="4648200"/>
+          </a:xfrm>
+        </p:spPr>
+        <p:txBody>
+          <a:bodyPr numCol="1">
+            <a:noAutofit/>
+          </a:bodyPr>
+          <a:lstStyle/>
+          <a:p>
+            <a:pPr>
+              <a:lnSpc>
+                <a:spcPct val="80000"/>
+              </a:lnSpc>
+              <a:spcAft>
+                <a:spcPts val="200"/>
+              </a:spcAft>
+            </a:pPr>
+            <a:r>
+              <a:rPr lang="en-US" dirty="0">
+                <a:latin typeface="Arial" panose="020B0604020202020204" pitchFamily="34" charset="0"/>
+                <a:cs typeface="Arial" panose="020B0604020202020204" pitchFamily="34" charset="0"/>
+              </a:rPr>
+              <a:t>Data frames are typically like data sets you see in Excel</a:t>
+            </a:r>
+          </a:p>
+          <a:p>
+            <a:pPr>
+              <a:lnSpc>
+                <a:spcPct val="80000"/>
+              </a:lnSpc>
+              <a:spcAft>
+                <a:spcPts val="200"/>
+              </a:spcAft>
+            </a:pPr>
+            <a:r>
+              <a:rPr lang="en-US" dirty="0">
+                <a:latin typeface="Arial" panose="020B0604020202020204" pitchFamily="34" charset="0"/>
+                <a:cs typeface="Arial" panose="020B0604020202020204" pitchFamily="34" charset="0"/>
+              </a:rPr>
+              <a:t>Every column is a variable</a:t>
+            </a:r>
+          </a:p>
+          <a:p>
+            <a:pPr>
+              <a:lnSpc>
+                <a:spcPct val="80000"/>
+              </a:lnSpc>
+              <a:spcAft>
+                <a:spcPts val="200"/>
+              </a:spcAft>
+            </a:pPr>
+            <a:r>
+              <a:rPr lang="en-US" dirty="0">
+                <a:latin typeface="Arial" panose="020B0604020202020204" pitchFamily="34" charset="0"/>
+                <a:cs typeface="Arial" panose="020B0604020202020204" pitchFamily="34" charset="0"/>
+              </a:rPr>
+              <a:t>Remember: Use </a:t>
+            </a:r>
+            <a:r>
+              <a:rPr lang="en-US" b="1" dirty="0">
+                <a:solidFill>
+                  <a:schemeClr val="accent1">
+                    <a:lumMod val="60000"/>
+                    <a:lumOff val="40000"/>
+                  </a:schemeClr>
+                </a:solidFill>
+                <a:latin typeface="Arial" panose="020B0604020202020204" pitchFamily="34" charset="0"/>
+                <a:cs typeface="Arial" panose="020B0604020202020204" pitchFamily="34" charset="0"/>
+              </a:rPr>
+              <a:t>$ </a:t>
+            </a:r>
+            <a:r>
+              <a:rPr lang="en-US" dirty="0">
+                <a:latin typeface="Arial" panose="020B0604020202020204" pitchFamily="34" charset="0"/>
+                <a:cs typeface="Arial" panose="020B0604020202020204" pitchFamily="34" charset="0"/>
+              </a:rPr>
+              <a:t>to refer to a variable within a data frame</a:t>
+            </a:r>
+          </a:p>
+          <a:p>
+            <a:pPr lvl="1">
+              <a:lnSpc>
+                <a:spcPct val="80000"/>
+              </a:lnSpc>
+              <a:spcAft>
+                <a:spcPts val="200"/>
+              </a:spcAft>
+            </a:pPr>
+            <a:r>
+              <a:rPr lang="en-US" sz="2400" dirty="0">
+                <a:latin typeface="Arial" panose="020B0604020202020204" pitchFamily="34" charset="0"/>
+                <a:cs typeface="Arial" panose="020B0604020202020204" pitchFamily="34" charset="0"/>
+              </a:rPr>
+              <a:t>Example: </a:t>
+            </a:r>
+            <a:r>
+              <a:rPr lang="en-US" sz="2400" dirty="0" err="1">
+                <a:latin typeface="Arial" panose="020B0604020202020204" pitchFamily="34" charset="0"/>
+                <a:cs typeface="Arial" panose="020B0604020202020204" pitchFamily="34" charset="0"/>
+              </a:rPr>
+              <a:t>rainfall.df$city</a:t>
+            </a:r>
+            <a:endParaRPr lang="en-US" sz="2400" dirty="0">
+              <a:latin typeface="Arial" panose="020B0604020202020204" pitchFamily="34" charset="0"/>
+              <a:cs typeface="Arial" panose="020B0604020202020204" pitchFamily="34" charset="0"/>
+            </a:endParaRPr>
+          </a:p>
+        </p:txBody>
+      </p:sp>
+    </p:spTree>
+    <p:extLst>
+      <p:ext uri="{BB962C8B-B14F-4D97-AF65-F5344CB8AC3E}">
+        <p14:creationId xmlns:p14="http://schemas.microsoft.com/office/powerpoint/2010/main" val="2897706051"/>
       </p:ext>
     </p:extLst>
   </p:cSld>
@@ -6922,7 +6785,7 @@
                 <a:latin typeface="Arial" panose="020B0604020202020204" pitchFamily="34" charset="0"/>
                 <a:cs typeface="Arial" panose="020B0604020202020204" pitchFamily="34" charset="0"/>
               </a:rPr>
-              <a:t>More on Data Frames</a:t>
+              <a:t>Factor Variables</a:t>
             </a:r>
           </a:p>
         </p:txBody>
@@ -6940,7 +6803,7 @@
         <p:spPr>
           <a:xfrm>
             <a:off x="1293812" y="1676400"/>
-            <a:ext cx="9982200" cy="4648200"/>
+            <a:ext cx="10363200" cy="4648200"/>
           </a:xfrm>
         </p:spPr>
         <p:txBody>
@@ -6962,7 +6825,7 @@
                 <a:latin typeface="Arial" panose="020B0604020202020204" pitchFamily="34" charset="0"/>
                 <a:cs typeface="Arial" panose="020B0604020202020204" pitchFamily="34" charset="0"/>
               </a:rPr>
-              <a:t>Data frames are typically like data sets you see in Excel</a:t>
+              <a:t>Factor variables can be either strings or numeric</a:t>
             </a:r>
           </a:p>
           <a:p>
@@ -6979,8 +6842,12 @@
                 <a:latin typeface="Arial" panose="020B0604020202020204" pitchFamily="34" charset="0"/>
                 <a:cs typeface="Arial" panose="020B0604020202020204" pitchFamily="34" charset="0"/>
               </a:rPr>
-              <a:t>Every column is a variable</a:t>
-            </a:r>
+              <a:t>However, always stored as a number</a:t>
+            </a:r>
+            <a:endParaRPr lang="en-US" sz="2400" dirty="0">
+              <a:latin typeface="Arial" panose="020B0604020202020204" pitchFamily="34" charset="0"/>
+              <a:cs typeface="Arial" panose="020B0604020202020204" pitchFamily="34" charset="0"/>
+            </a:endParaRPr>
           </a:p>
           <a:p>
             <a:pPr>
@@ -6996,31 +6863,11 @@
                 <a:latin typeface="Arial" panose="020B0604020202020204" pitchFamily="34" charset="0"/>
                 <a:cs typeface="Arial" panose="020B0604020202020204" pitchFamily="34" charset="0"/>
               </a:rPr>
-              <a:t>Remember: Use </a:t>
-            </a:r>
-            <a:r>
-              <a:rPr lang="en-US" b="1" dirty="0">
-                <a:solidFill>
-                  <a:schemeClr val="accent1">
-                    <a:lumMod val="60000"/>
-                    <a:lumOff val="40000"/>
-                  </a:schemeClr>
-                </a:solidFill>
-                <a:latin typeface="Arial" panose="020B0604020202020204" pitchFamily="34" charset="0"/>
-                <a:cs typeface="Arial" panose="020B0604020202020204" pitchFamily="34" charset="0"/>
-              </a:rPr>
-              <a:t>$ </a:t>
-            </a:r>
-            <a:r>
-              <a:rPr lang="en-US" dirty="0">
-                <a:latin typeface="Arial" panose="020B0604020202020204" pitchFamily="34" charset="0"/>
-                <a:cs typeface="Arial" panose="020B0604020202020204" pitchFamily="34" charset="0"/>
-              </a:rPr>
-              <a:t>to refer to a variable within a data frame</a:t>
-            </a:r>
-          </a:p>
-          <a:p>
-            <a:pPr lvl="1">
+              <a:t>See that city, a character variable, is stored with string values</a:t>
+            </a:r>
+          </a:p>
+          <a:p>
+            <a:pPr>
               <a:lnSpc>
                 <a:spcPct val="80000"/>
               </a:lnSpc>
@@ -7029,18 +6876,65 @@
               </a:spcAft>
             </a:pPr>
             <a:r>
+              <a:rPr lang="en-US" dirty="0">
+                <a:latin typeface="Arial" panose="020B0604020202020204" pitchFamily="34" charset="0"/>
+                <a:cs typeface="Arial" panose="020B0604020202020204" pitchFamily="34" charset="0"/>
+              </a:rPr>
+              <a:t>State is a factor variable and is </a:t>
+            </a:r>
+            <a:r>
+              <a:rPr lang="en-US" dirty="0">
+                <a:solidFill>
+                  <a:srgbClr val="FF0000"/>
+                </a:solidFill>
+                <a:latin typeface="Arial" panose="020B0604020202020204" pitchFamily="34" charset="0"/>
+                <a:cs typeface="Arial" panose="020B0604020202020204" pitchFamily="34" charset="0"/>
+              </a:rPr>
+              <a:t>stored as a number</a:t>
+            </a:r>
+          </a:p>
+          <a:p>
+            <a:pPr>
+              <a:lnSpc>
+                <a:spcPct val="80000"/>
+              </a:lnSpc>
+              <a:spcAft>
+                <a:spcPts val="200"/>
+              </a:spcAft>
+            </a:pPr>
+            <a:r>
               <a:rPr lang="en-US" sz="2400" dirty="0">
                 <a:latin typeface="Arial" panose="020B0604020202020204" pitchFamily="34" charset="0"/>
                 <a:cs typeface="Arial" panose="020B0604020202020204" pitchFamily="34" charset="0"/>
               </a:rPr>
-              <a:t>Example: </a:t>
-            </a:r>
-            <a:r>
-              <a:rPr lang="en-US" sz="2400" dirty="0" err="1">
-                <a:latin typeface="Arial" panose="020B0604020202020204" pitchFamily="34" charset="0"/>
-                <a:cs typeface="Arial" panose="020B0604020202020204" pitchFamily="34" charset="0"/>
-              </a:rPr>
-              <a:t>rainfall.df$city</a:t>
+              <a:t>The </a:t>
+            </a:r>
+            <a:r>
+              <a:rPr lang="en-US" sz="2400" b="1" dirty="0">
+                <a:solidFill>
+                  <a:schemeClr val="accent1">
+                    <a:lumMod val="60000"/>
+                    <a:lumOff val="40000"/>
+                  </a:schemeClr>
+                </a:solidFill>
+                <a:latin typeface="Arial" panose="020B0604020202020204" pitchFamily="34" charset="0"/>
+                <a:cs typeface="Arial" panose="020B0604020202020204" pitchFamily="34" charset="0"/>
+              </a:rPr>
+              <a:t>state name is a label</a:t>
+            </a:r>
+            <a:r>
+              <a:rPr lang="en-US" sz="2400" dirty="0">
+                <a:latin typeface="Arial" panose="020B0604020202020204" pitchFamily="34" charset="0"/>
+                <a:cs typeface="Arial" panose="020B0604020202020204" pitchFamily="34" charset="0"/>
+              </a:rPr>
+              <a:t>, which is pr</a:t>
+            </a:r>
+            <a:r>
+              <a:rPr lang="en-US" dirty="0">
+                <a:latin typeface="Arial" panose="020B0604020202020204" pitchFamily="34" charset="0"/>
+                <a:cs typeface="Arial" panose="020B0604020202020204" pitchFamily="34" charset="0"/>
+              </a:rPr>
+              <a:t>inted when you open up the data frame</a:t>
             </a:r>
             <a:endParaRPr lang="en-US" sz="2400" dirty="0">
               <a:latin typeface="Arial" panose="020B0604020202020204" pitchFamily="34" charset="0"/>
@@ -7049,10 +6943,153 @@
           </a:p>
         </p:txBody>
       </p:sp>
+      <p:pic>
+        <p:nvPicPr>
+          <p:cNvPr id="6" name="Picture 5">
+            <a:extLst>
+              <a:ext uri="{FF2B5EF4-FFF2-40B4-BE49-F238E27FC236}">
+                <a16:creationId xmlns:a16="http://schemas.microsoft.com/office/drawing/2014/main" id="{0C9B2B3C-365B-6245-A927-5E07F735E3E3}"/>
+              </a:ext>
+            </a:extLst>
+          </p:cNvPr>
+          <p:cNvPicPr>
+            <a:picLocks noChangeAspect="1"/>
+          </p:cNvPicPr>
+          <p:nvPr/>
+        </p:nvPicPr>
+        <p:blipFill rotWithShape="1">
+          <a:blip r:embed="rId3"/>
+          <a:srcRect l="14029" r="2422"/>
+          <a:stretch/>
+        </p:blipFill>
+        <p:spPr>
+          <a:xfrm>
+            <a:off x="8609012" y="4724400"/>
+            <a:ext cx="2928552" cy="1739900"/>
+          </a:xfrm>
+          <a:prstGeom prst="rect">
+            <a:avLst/>
+          </a:prstGeom>
+        </p:spPr>
+      </p:pic>
+      <p:grpSp>
+        <p:nvGrpSpPr>
+          <p:cNvPr id="2" name="Group 1">
+            <a:extLst>
+              <a:ext uri="{FF2B5EF4-FFF2-40B4-BE49-F238E27FC236}">
+                <a16:creationId xmlns:a16="http://schemas.microsoft.com/office/drawing/2014/main" id="{C4FC67E9-0DF0-144C-9684-412B3FC36749}"/>
+              </a:ext>
+            </a:extLst>
+          </p:cNvPr>
+          <p:cNvGrpSpPr/>
+          <p:nvPr/>
+        </p:nvGrpSpPr>
+        <p:grpSpPr>
+          <a:xfrm>
+            <a:off x="531812" y="5105400"/>
+            <a:ext cx="7480300" cy="927100"/>
+            <a:chOff x="531812" y="5105400"/>
+            <a:chExt cx="7480300" cy="927100"/>
+          </a:xfrm>
+        </p:grpSpPr>
+        <p:pic>
+          <p:nvPicPr>
+            <p:cNvPr id="8" name="Picture 7">
+              <a:extLst>
+                <a:ext uri="{FF2B5EF4-FFF2-40B4-BE49-F238E27FC236}">
+                  <a16:creationId xmlns:a16="http://schemas.microsoft.com/office/drawing/2014/main" id="{4E715BDD-9BD4-6142-9EC3-583B1A5429B0}"/>
+                </a:ext>
+              </a:extLst>
+            </p:cNvPr>
+            <p:cNvPicPr>
+              <a:picLocks noChangeAspect="1"/>
+            </p:cNvPicPr>
+            <p:nvPr/>
+          </p:nvPicPr>
+          <p:blipFill>
+            <a:blip r:embed="rId4">
+              <a:extLst>
+                <a:ext uri="{28A0092B-C50C-407E-A947-70E740481C1C}">
+                  <a14:useLocalDpi xmlns:a14="http://schemas.microsoft.com/office/drawing/2010/main" val="0"/>
+                </a:ext>
+              </a:extLst>
+            </a:blip>
+            <a:stretch>
+              <a:fillRect/>
+            </a:stretch>
+          </p:blipFill>
+          <p:spPr>
+            <a:xfrm>
+              <a:off x="531812" y="5105400"/>
+              <a:ext cx="7480300" cy="927100"/>
+            </a:xfrm>
+            <a:prstGeom prst="rect">
+              <a:avLst/>
+            </a:prstGeom>
+            <a:ln w="19050">
+              <a:solidFill>
+                <a:schemeClr val="tx1"/>
+              </a:solidFill>
+            </a:ln>
+          </p:spPr>
+        </p:pic>
+        <p:sp>
+          <p:nvSpPr>
+            <p:cNvPr id="9" name="Rectangle 8">
+              <a:extLst>
+                <a:ext uri="{FF2B5EF4-FFF2-40B4-BE49-F238E27FC236}">
+                  <a16:creationId xmlns:a16="http://schemas.microsoft.com/office/drawing/2014/main" id="{05AB67D1-1191-8A4B-BD36-84CD6964B536}"/>
+                </a:ext>
+              </a:extLst>
+            </p:cNvPr>
+            <p:cNvSpPr/>
+            <p:nvPr/>
+          </p:nvSpPr>
+          <p:spPr>
+            <a:xfrm>
+              <a:off x="7085012" y="5638800"/>
+              <a:ext cx="914400" cy="381000"/>
+            </a:xfrm>
+            <a:prstGeom prst="rect">
+              <a:avLst/>
+            </a:prstGeom>
+            <a:noFill/>
+            <a:ln w="76200">
+              <a:solidFill>
+                <a:srgbClr val="FF0000"/>
+              </a:solidFill>
+            </a:ln>
+          </p:spPr>
+          <p:style>
+            <a:lnRef idx="2">
+              <a:schemeClr val="accent1">
+                <a:shade val="50000"/>
+              </a:schemeClr>
+            </a:lnRef>
+            <a:fillRef idx="1">
+              <a:schemeClr val="accent1"/>
+            </a:fillRef>
+            <a:effectRef idx="0">
+              <a:schemeClr val="accent1"/>
+            </a:effectRef>
+            <a:fontRef idx="minor">
+              <a:schemeClr val="lt1"/>
+            </a:fontRef>
+          </p:style>
+          <p:txBody>
+            <a:bodyPr rtlCol="0" anchor="ctr"/>
+            <a:lstStyle/>
+            <a:p>
+              <a:pPr algn="ctr"/>
+              <a:endParaRPr lang="en-US"/>
+            </a:p>
+          </p:txBody>
+        </p:sp>
+      </p:grpSp>
     </p:spTree>
     <p:extLst>
       <p:ext uri="{BB962C8B-B14F-4D97-AF65-F5344CB8AC3E}">
-        <p14:creationId xmlns:p14="http://schemas.microsoft.com/office/powerpoint/2010/main" val="2897706051"/>
+        <p14:creationId xmlns:p14="http://schemas.microsoft.com/office/powerpoint/2010/main" val="3916228574"/>
       </p:ext>
     </p:extLst>
   </p:cSld>
@@ -7093,353 +7130,6 @@
       </p:grpSpPr>
       <p:sp>
         <p:nvSpPr>
-          <p:cNvPr id="13" name="Title 12"/>
-          <p:cNvSpPr>
-            <a:spLocks noGrp="1"/>
-          </p:cNvSpPr>
-          <p:nvPr>
-            <p:ph type="title"/>
-          </p:nvPr>
-        </p:nvSpPr>
-        <p:spPr>
-          <a:xfrm>
-            <a:off x="1179513" y="0"/>
-            <a:ext cx="9334499" cy="1371600"/>
-          </a:xfrm>
-        </p:spPr>
-        <p:txBody>
-          <a:bodyPr/>
-          <a:lstStyle/>
-          <a:p>
-            <a:r>
-              <a:rPr lang="en-US" dirty="0">
-                <a:latin typeface="Arial" panose="020B0604020202020204" pitchFamily="34" charset="0"/>
-                <a:cs typeface="Arial" panose="020B0604020202020204" pitchFamily="34" charset="0"/>
-              </a:rPr>
-              <a:t>Factor Variables</a:t>
-            </a:r>
-          </a:p>
-        </p:txBody>
-      </p:sp>
-      <p:sp>
-        <p:nvSpPr>
-          <p:cNvPr id="14" name="Content Placeholder 13"/>
-          <p:cNvSpPr>
-            <a:spLocks noGrp="1"/>
-          </p:cNvSpPr>
-          <p:nvPr>
-            <p:ph idx="1"/>
-          </p:nvPr>
-        </p:nvSpPr>
-        <p:spPr>
-          <a:xfrm>
-            <a:off x="1293812" y="1676400"/>
-            <a:ext cx="10363200" cy="4648200"/>
-          </a:xfrm>
-        </p:spPr>
-        <p:txBody>
-          <a:bodyPr numCol="1">
-            <a:noAutofit/>
-          </a:bodyPr>
-          <a:lstStyle/>
-          <a:p>
-            <a:pPr>
-              <a:lnSpc>
-                <a:spcPct val="80000"/>
-              </a:lnSpc>
-              <a:spcAft>
-                <a:spcPts val="200"/>
-              </a:spcAft>
-            </a:pPr>
-            <a:r>
-              <a:rPr lang="en-US" dirty="0">
-                <a:latin typeface="Arial" panose="020B0604020202020204" pitchFamily="34" charset="0"/>
-                <a:cs typeface="Arial" panose="020B0604020202020204" pitchFamily="34" charset="0"/>
-              </a:rPr>
-              <a:t>Factor variables can be either strings or numeric</a:t>
-            </a:r>
-          </a:p>
-          <a:p>
-            <a:pPr>
-              <a:lnSpc>
-                <a:spcPct val="80000"/>
-              </a:lnSpc>
-              <a:spcAft>
-                <a:spcPts val="200"/>
-              </a:spcAft>
-            </a:pPr>
-            <a:r>
-              <a:rPr lang="en-US" dirty="0">
-                <a:latin typeface="Arial" panose="020B0604020202020204" pitchFamily="34" charset="0"/>
-                <a:cs typeface="Arial" panose="020B0604020202020204" pitchFamily="34" charset="0"/>
-              </a:rPr>
-              <a:t>However, always stored as a number</a:t>
-            </a:r>
-            <a:endParaRPr lang="en-US" sz="2400" dirty="0">
-              <a:latin typeface="Arial" panose="020B0604020202020204" pitchFamily="34" charset="0"/>
-              <a:cs typeface="Arial" panose="020B0604020202020204" pitchFamily="34" charset="0"/>
-            </a:endParaRPr>
-          </a:p>
-          <a:p>
-            <a:pPr>
-              <a:lnSpc>
-                <a:spcPct val="80000"/>
-              </a:lnSpc>
-              <a:spcAft>
-                <a:spcPts val="200"/>
-              </a:spcAft>
-            </a:pPr>
-            <a:r>
-              <a:rPr lang="en-US" dirty="0">
-                <a:latin typeface="Arial" panose="020B0604020202020204" pitchFamily="34" charset="0"/>
-                <a:cs typeface="Arial" panose="020B0604020202020204" pitchFamily="34" charset="0"/>
-              </a:rPr>
-              <a:t>See that city, a character variable, is stored with string values</a:t>
-            </a:r>
-          </a:p>
-          <a:p>
-            <a:pPr>
-              <a:lnSpc>
-                <a:spcPct val="80000"/>
-              </a:lnSpc>
-              <a:spcAft>
-                <a:spcPts val="200"/>
-              </a:spcAft>
-            </a:pPr>
-            <a:r>
-              <a:rPr lang="en-US" dirty="0">
-                <a:latin typeface="Arial" panose="020B0604020202020204" pitchFamily="34" charset="0"/>
-                <a:cs typeface="Arial" panose="020B0604020202020204" pitchFamily="34" charset="0"/>
-              </a:rPr>
-              <a:t>State is a factor variable and is </a:t>
-            </a:r>
-            <a:r>
-              <a:rPr lang="en-US" dirty="0">
-                <a:solidFill>
-                  <a:srgbClr val="FF0000"/>
-                </a:solidFill>
-                <a:latin typeface="Arial" panose="020B0604020202020204" pitchFamily="34" charset="0"/>
-                <a:cs typeface="Arial" panose="020B0604020202020204" pitchFamily="34" charset="0"/>
-              </a:rPr>
-              <a:t>stored as a number</a:t>
-            </a:r>
-          </a:p>
-          <a:p>
-            <a:pPr>
-              <a:lnSpc>
-                <a:spcPct val="80000"/>
-              </a:lnSpc>
-              <a:spcAft>
-                <a:spcPts val="200"/>
-              </a:spcAft>
-            </a:pPr>
-            <a:r>
-              <a:rPr lang="en-US" sz="2400" dirty="0">
-                <a:latin typeface="Arial" panose="020B0604020202020204" pitchFamily="34" charset="0"/>
-                <a:cs typeface="Arial" panose="020B0604020202020204" pitchFamily="34" charset="0"/>
-              </a:rPr>
-              <a:t>The </a:t>
-            </a:r>
-            <a:r>
-              <a:rPr lang="en-US" sz="2400" b="1" dirty="0">
-                <a:solidFill>
-                  <a:schemeClr val="accent1">
-                    <a:lumMod val="60000"/>
-                    <a:lumOff val="40000"/>
-                  </a:schemeClr>
-                </a:solidFill>
-                <a:latin typeface="Arial" panose="020B0604020202020204" pitchFamily="34" charset="0"/>
-                <a:cs typeface="Arial" panose="020B0604020202020204" pitchFamily="34" charset="0"/>
-              </a:rPr>
-              <a:t>state name is a label</a:t>
-            </a:r>
-            <a:r>
-              <a:rPr lang="en-US" sz="2400" dirty="0">
-                <a:latin typeface="Arial" panose="020B0604020202020204" pitchFamily="34" charset="0"/>
-                <a:cs typeface="Arial" panose="020B0604020202020204" pitchFamily="34" charset="0"/>
-              </a:rPr>
-              <a:t>, which is pr</a:t>
-            </a:r>
-            <a:r>
-              <a:rPr lang="en-US" dirty="0">
-                <a:latin typeface="Arial" panose="020B0604020202020204" pitchFamily="34" charset="0"/>
-                <a:cs typeface="Arial" panose="020B0604020202020204" pitchFamily="34" charset="0"/>
-              </a:rPr>
-              <a:t>inted when you open up the data frame</a:t>
-            </a:r>
-            <a:endParaRPr lang="en-US" sz="2400" dirty="0">
-              <a:latin typeface="Arial" panose="020B0604020202020204" pitchFamily="34" charset="0"/>
-              <a:cs typeface="Arial" panose="020B0604020202020204" pitchFamily="34" charset="0"/>
-            </a:endParaRPr>
-          </a:p>
-        </p:txBody>
-      </p:sp>
-      <p:pic>
-        <p:nvPicPr>
-          <p:cNvPr id="6" name="Picture 5">
-            <a:extLst>
-              <a:ext uri="{FF2B5EF4-FFF2-40B4-BE49-F238E27FC236}">
-                <a16:creationId xmlns:a16="http://schemas.microsoft.com/office/drawing/2014/main" id="{0C9B2B3C-365B-6245-A927-5E07F735E3E3}"/>
-              </a:ext>
-            </a:extLst>
-          </p:cNvPr>
-          <p:cNvPicPr>
-            <a:picLocks noChangeAspect="1"/>
-          </p:cNvPicPr>
-          <p:nvPr/>
-        </p:nvPicPr>
-        <p:blipFill rotWithShape="1">
-          <a:blip r:embed="rId3"/>
-          <a:srcRect l="14029" r="2422"/>
-          <a:stretch/>
-        </p:blipFill>
-        <p:spPr>
-          <a:xfrm>
-            <a:off x="8609012" y="4724400"/>
-            <a:ext cx="2928552" cy="1739900"/>
-          </a:xfrm>
-          <a:prstGeom prst="rect">
-            <a:avLst/>
-          </a:prstGeom>
-        </p:spPr>
-      </p:pic>
-      <p:pic>
-        <p:nvPicPr>
-          <p:cNvPr id="8" name="Picture 7">
-            <a:extLst>
-              <a:ext uri="{FF2B5EF4-FFF2-40B4-BE49-F238E27FC236}">
-                <a16:creationId xmlns:a16="http://schemas.microsoft.com/office/drawing/2014/main" id="{4E715BDD-9BD4-6142-9EC3-583B1A5429B0}"/>
-              </a:ext>
-            </a:extLst>
-          </p:cNvPr>
-          <p:cNvPicPr>
-            <a:picLocks noChangeAspect="1"/>
-          </p:cNvPicPr>
-          <p:nvPr/>
-        </p:nvPicPr>
-        <p:blipFill>
-          <a:blip r:embed="rId4">
-            <a:extLst>
-              <a:ext uri="{28A0092B-C50C-407E-A947-70E740481C1C}">
-                <a14:useLocalDpi xmlns:a14="http://schemas.microsoft.com/office/drawing/2010/main" val="0"/>
-              </a:ext>
-            </a:extLst>
-          </a:blip>
-          <a:stretch>
-            <a:fillRect/>
-          </a:stretch>
-        </p:blipFill>
-        <p:spPr>
-          <a:xfrm>
-            <a:off x="531812" y="5105400"/>
-            <a:ext cx="7480300" cy="927100"/>
-          </a:xfrm>
-          <a:prstGeom prst="rect">
-            <a:avLst/>
-          </a:prstGeom>
-          <a:ln w="19050">
-            <a:solidFill>
-              <a:schemeClr val="tx1"/>
-            </a:solidFill>
-          </a:ln>
-        </p:spPr>
-      </p:pic>
-      <p:sp>
-        <p:nvSpPr>
-          <p:cNvPr id="9" name="Rectangle 8">
-            <a:extLst>
-              <a:ext uri="{FF2B5EF4-FFF2-40B4-BE49-F238E27FC236}">
-                <a16:creationId xmlns:a16="http://schemas.microsoft.com/office/drawing/2014/main" id="{05AB67D1-1191-8A4B-BD36-84CD6964B536}"/>
-              </a:ext>
-            </a:extLst>
-          </p:cNvPr>
-          <p:cNvSpPr/>
-          <p:nvPr/>
-        </p:nvSpPr>
-        <p:spPr>
-          <a:xfrm>
-            <a:off x="7085012" y="5638800"/>
-            <a:ext cx="914400" cy="381000"/>
-          </a:xfrm>
-          <a:prstGeom prst="rect">
-            <a:avLst/>
-          </a:prstGeom>
-          <a:noFill/>
-          <a:ln w="76200">
-            <a:solidFill>
-              <a:srgbClr val="FF0000"/>
-            </a:solidFill>
-          </a:ln>
-        </p:spPr>
-        <p:style>
-          <a:lnRef idx="2">
-            <a:schemeClr val="accent1">
-              <a:shade val="50000"/>
-            </a:schemeClr>
-          </a:lnRef>
-          <a:fillRef idx="1">
-            <a:schemeClr val="accent1"/>
-          </a:fillRef>
-          <a:effectRef idx="0">
-            <a:schemeClr val="accent1"/>
-          </a:effectRef>
-          <a:fontRef idx="minor">
-            <a:schemeClr val="lt1"/>
-          </a:fontRef>
-        </p:style>
-        <p:txBody>
-          <a:bodyPr rtlCol="0" anchor="ctr"/>
-          <a:lstStyle/>
-          <a:p>
-            <a:pPr algn="ctr"/>
-            <a:endParaRPr lang="en-US"/>
-          </a:p>
-        </p:txBody>
-      </p:sp>
-    </p:spTree>
-    <p:extLst>
-      <p:ext uri="{BB962C8B-B14F-4D97-AF65-F5344CB8AC3E}">
-        <p14:creationId xmlns:p14="http://schemas.microsoft.com/office/powerpoint/2010/main" val="3916228574"/>
-      </p:ext>
-    </p:extLst>
-  </p:cSld>
-  <p:clrMapOvr>
-    <a:masterClrMapping/>
-  </p:clrMapOvr>
-  <mc:AlternateContent xmlns:mc="http://schemas.openxmlformats.org/markup-compatibility/2006" xmlns:p14="http://schemas.microsoft.com/office/powerpoint/2010/main">
-    <mc:Choice Requires="p14">
-      <p:transition spd="med" p14:dur="700">
-        <p:fade/>
-      </p:transition>
-    </mc:Choice>
-    <mc:Fallback xmlns="">
-      <p:transition spd="med">
-        <p:fade/>
-      </p:transition>
-    </mc:Fallback>
-  </mc:AlternateContent>
-</p:sld>
-</file>
-
-<file path=ppt/slides/slide16.xml><?xml version="1.0" encoding="utf-8"?>
-<p:sld xmlns:a="http://schemas.openxmlformats.org/drawingml/2006/main" xmlns:r="http://schemas.openxmlformats.org/officeDocument/2006/relationships" xmlns:p="http://schemas.openxmlformats.org/presentationml/2006/main">
-  <p:cSld>
-    <p:spTree>
-      <p:nvGrpSpPr>
-        <p:cNvPr id="1" name=""/>
-        <p:cNvGrpSpPr/>
-        <p:nvPr/>
-      </p:nvGrpSpPr>
-      <p:grpSpPr>
-        <a:xfrm>
-          <a:off x="0" y="0"/>
-          <a:ext cx="0" cy="0"/>
-          <a:chOff x="0" y="0"/>
-          <a:chExt cx="0" cy="0"/>
-        </a:xfrm>
-      </p:grpSpPr>
-      <p:sp>
-        <p:nvSpPr>
           <p:cNvPr id="2" name="Title 1">
             <a:extLst>
               <a:ext uri="{FF2B5EF4-FFF2-40B4-BE49-F238E27FC236}">
@@ -7502,7 +7192,7 @@
 </p:sld>
 </file>
 
-<file path=ppt/slides/slide17.xml><?xml version="1.0" encoding="utf-8"?>
+<file path=ppt/slides/slide16.xml><?xml version="1.0" encoding="utf-8"?>
 <p:sld xmlns:a="http://schemas.openxmlformats.org/drawingml/2006/main" xmlns:r="http://schemas.openxmlformats.org/officeDocument/2006/relationships" xmlns:p="http://schemas.openxmlformats.org/presentationml/2006/main">
   <p:cSld>
     <p:spTree>
@@ -8134,7 +7824,7 @@
 </p:sld>
 </file>
 
-<file path=ppt/slides/slide18.xml><?xml version="1.0" encoding="utf-8"?>
+<file path=ppt/slides/slide17.xml><?xml version="1.0" encoding="utf-8"?>
 <p:sld xmlns:a="http://schemas.openxmlformats.org/drawingml/2006/main" xmlns:r="http://schemas.openxmlformats.org/officeDocument/2006/relationships" xmlns:p="http://schemas.openxmlformats.org/presentationml/2006/main">
   <p:cSld>
     <p:spTree>
@@ -8636,7 +8326,7 @@
 </p:sld>
 </file>
 
-<file path=ppt/slides/slide19.xml><?xml version="1.0" encoding="utf-8"?>
+<file path=ppt/slides/slide18.xml><?xml version="1.0" encoding="utf-8"?>
 <p:sld xmlns:a="http://schemas.openxmlformats.org/drawingml/2006/main" xmlns:r="http://schemas.openxmlformats.org/officeDocument/2006/relationships" xmlns:p="http://schemas.openxmlformats.org/presentationml/2006/main">
   <p:cSld>
     <p:spTree>
@@ -8717,141 +8407,7 @@
 </p:sld>
 </file>
 
-<file path=ppt/slides/slide2.xml><?xml version="1.0" encoding="utf-8"?>
-<p:sld xmlns:a="http://schemas.openxmlformats.org/drawingml/2006/main" xmlns:r="http://schemas.openxmlformats.org/officeDocument/2006/relationships" xmlns:p="http://schemas.openxmlformats.org/presentationml/2006/main">
-  <p:cSld>
-    <p:spTree>
-      <p:nvGrpSpPr>
-        <p:cNvPr id="1" name=""/>
-        <p:cNvGrpSpPr/>
-        <p:nvPr/>
-      </p:nvGrpSpPr>
-      <p:grpSpPr>
-        <a:xfrm>
-          <a:off x="0" y="0"/>
-          <a:ext cx="0" cy="0"/>
-          <a:chOff x="0" y="0"/>
-          <a:chExt cx="0" cy="0"/>
-        </a:xfrm>
-      </p:grpSpPr>
-      <p:sp>
-        <p:nvSpPr>
-          <p:cNvPr id="13" name="Title 12"/>
-          <p:cNvSpPr>
-            <a:spLocks noGrp="1"/>
-          </p:cNvSpPr>
-          <p:nvPr>
-            <p:ph type="title"/>
-          </p:nvPr>
-        </p:nvSpPr>
-        <p:spPr>
-          <a:xfrm>
-            <a:off x="1179513" y="20782"/>
-            <a:ext cx="9144001" cy="1371600"/>
-          </a:xfrm>
-        </p:spPr>
-        <p:txBody>
-          <a:bodyPr/>
-          <a:lstStyle/>
-          <a:p>
-            <a:r>
-              <a:rPr lang="en-US" dirty="0">
-                <a:latin typeface="Arial" panose="020B0604020202020204" pitchFamily="34" charset="0"/>
-                <a:cs typeface="Arial" panose="020B0604020202020204" pitchFamily="34" charset="0"/>
-              </a:rPr>
-              <a:t>Class Live Stream Link</a:t>
-            </a:r>
-          </a:p>
-        </p:txBody>
-      </p:sp>
-      <p:sp>
-        <p:nvSpPr>
-          <p:cNvPr id="14" name="Content Placeholder 13"/>
-          <p:cNvSpPr>
-            <a:spLocks noGrp="1"/>
-          </p:cNvSpPr>
-          <p:nvPr>
-            <p:ph idx="1"/>
-          </p:nvPr>
-        </p:nvSpPr>
-        <p:spPr>
-          <a:xfrm>
-            <a:off x="1179513" y="1905000"/>
-            <a:ext cx="9944099" cy="4114801"/>
-          </a:xfrm>
-        </p:spPr>
-        <p:txBody>
-          <a:bodyPr>
-            <a:normAutofit/>
-          </a:bodyPr>
-          <a:lstStyle/>
-          <a:p>
-            <a:pPr marL="0" indent="0">
-              <a:buNone/>
-            </a:pPr>
-            <a:r>
-              <a:rPr lang="en-US" sz="2800" dirty="0">
-                <a:latin typeface="Arial" panose="020B0604020202020204" pitchFamily="34" charset="0"/>
-                <a:cs typeface="Arial" panose="020B0604020202020204" pitchFamily="34" charset="0"/>
-              </a:rPr>
-              <a:t>To connect to the live stream of class so you can see my shared screen enter this link: </a:t>
-            </a:r>
-            <a:r>
-              <a:rPr lang="en-US" sz="2800" dirty="0">
-                <a:latin typeface="Arial" panose="020B0604020202020204" pitchFamily="34" charset="0"/>
-                <a:cs typeface="Arial" panose="020B0604020202020204" pitchFamily="34" charset="0"/>
-                <a:hlinkClick r:id="rId2"/>
-              </a:rPr>
-              <a:t>https://join.skype.com/BnvN2P9bJSEO</a:t>
-            </a:r>
-            <a:r>
-              <a:rPr lang="en-US" sz="2800" dirty="0">
-                <a:latin typeface="Arial" panose="020B0604020202020204" pitchFamily="34" charset="0"/>
-                <a:cs typeface="Arial" panose="020B0604020202020204" pitchFamily="34" charset="0"/>
-              </a:rPr>
-              <a:t> </a:t>
-            </a:r>
-          </a:p>
-          <a:p>
-            <a:pPr marL="0" indent="0">
-              <a:buNone/>
-            </a:pPr>
-            <a:r>
-              <a:rPr lang="en-US" sz="2800" dirty="0">
-                <a:latin typeface="Arial" panose="020B0604020202020204" pitchFamily="34" charset="0"/>
-                <a:cs typeface="Arial" panose="020B0604020202020204" pitchFamily="34" charset="0"/>
-              </a:rPr>
-              <a:t>NOTE: You do NOT need a skype account to connect</a:t>
-            </a:r>
-          </a:p>
-        </p:txBody>
-      </p:sp>
-    </p:spTree>
-    <p:extLst>
-      <p:ext uri="{BB962C8B-B14F-4D97-AF65-F5344CB8AC3E}">
-        <p14:creationId xmlns:p14="http://schemas.microsoft.com/office/powerpoint/2010/main" val="3069418284"/>
-      </p:ext>
-    </p:extLst>
-  </p:cSld>
-  <p:clrMapOvr>
-    <a:masterClrMapping/>
-  </p:clrMapOvr>
-  <mc:AlternateContent xmlns:mc="http://schemas.openxmlformats.org/markup-compatibility/2006" xmlns:p14="http://schemas.microsoft.com/office/powerpoint/2010/main">
-    <mc:Choice Requires="p14">
-      <p:transition spd="med" p14:dur="700">
-        <p:fade/>
-      </p:transition>
-    </mc:Choice>
-    <mc:Fallback xmlns="">
-      <p:transition spd="med">
-        <p:fade/>
-      </p:transition>
-    </mc:Fallback>
-  </mc:AlternateContent>
-</p:sld>
-</file>
-
-<file path=ppt/slides/slide20.xml><?xml version="1.0" encoding="utf-8"?>
+<file path=ppt/slides/slide19.xml><?xml version="1.0" encoding="utf-8"?>
 <p:sld xmlns:a="http://schemas.openxmlformats.org/drawingml/2006/main" xmlns:r="http://schemas.openxmlformats.org/officeDocument/2006/relationships" xmlns:p="http://schemas.openxmlformats.org/presentationml/2006/main">
   <p:cSld>
     <p:spTree>
@@ -9464,7 +9020,141 @@
 </p:sld>
 </file>
 
-<file path=ppt/slides/slide21.xml><?xml version="1.0" encoding="utf-8"?>
+<file path=ppt/slides/slide2.xml><?xml version="1.0" encoding="utf-8"?>
+<p:sld xmlns:a="http://schemas.openxmlformats.org/drawingml/2006/main" xmlns:r="http://schemas.openxmlformats.org/officeDocument/2006/relationships" xmlns:p="http://schemas.openxmlformats.org/presentationml/2006/main">
+  <p:cSld>
+    <p:spTree>
+      <p:nvGrpSpPr>
+        <p:cNvPr id="1" name=""/>
+        <p:cNvGrpSpPr/>
+        <p:nvPr/>
+      </p:nvGrpSpPr>
+      <p:grpSpPr>
+        <a:xfrm>
+          <a:off x="0" y="0"/>
+          <a:ext cx="0" cy="0"/>
+          <a:chOff x="0" y="0"/>
+          <a:chExt cx="0" cy="0"/>
+        </a:xfrm>
+      </p:grpSpPr>
+      <p:sp>
+        <p:nvSpPr>
+          <p:cNvPr id="13" name="Title 12"/>
+          <p:cNvSpPr>
+            <a:spLocks noGrp="1"/>
+          </p:cNvSpPr>
+          <p:nvPr>
+            <p:ph type="title"/>
+          </p:nvPr>
+        </p:nvSpPr>
+        <p:spPr>
+          <a:xfrm>
+            <a:off x="1179513" y="20782"/>
+            <a:ext cx="9144001" cy="1371600"/>
+          </a:xfrm>
+        </p:spPr>
+        <p:txBody>
+          <a:bodyPr/>
+          <a:lstStyle/>
+          <a:p>
+            <a:r>
+              <a:rPr lang="en-US" dirty="0">
+                <a:latin typeface="Arial" panose="020B0604020202020204" pitchFamily="34" charset="0"/>
+                <a:cs typeface="Arial" panose="020B0604020202020204" pitchFamily="34" charset="0"/>
+              </a:rPr>
+              <a:t>Class Live Stream Link</a:t>
+            </a:r>
+          </a:p>
+        </p:txBody>
+      </p:sp>
+      <p:sp>
+        <p:nvSpPr>
+          <p:cNvPr id="14" name="Content Placeholder 13"/>
+          <p:cNvSpPr>
+            <a:spLocks noGrp="1"/>
+          </p:cNvSpPr>
+          <p:nvPr>
+            <p:ph idx="1"/>
+          </p:nvPr>
+        </p:nvSpPr>
+        <p:spPr>
+          <a:xfrm>
+            <a:off x="1179513" y="1905000"/>
+            <a:ext cx="9944099" cy="4114801"/>
+          </a:xfrm>
+        </p:spPr>
+        <p:txBody>
+          <a:bodyPr>
+            <a:normAutofit/>
+          </a:bodyPr>
+          <a:lstStyle/>
+          <a:p>
+            <a:pPr marL="0" indent="0">
+              <a:buNone/>
+            </a:pPr>
+            <a:r>
+              <a:rPr lang="en-US" sz="2800" dirty="0">
+                <a:latin typeface="Arial" panose="020B0604020202020204" pitchFamily="34" charset="0"/>
+                <a:cs typeface="Arial" panose="020B0604020202020204" pitchFamily="34" charset="0"/>
+              </a:rPr>
+              <a:t>To connect to the live stream of class so you can see my shared screen enter this link: </a:t>
+            </a:r>
+            <a:r>
+              <a:rPr lang="en-US" sz="2800" dirty="0">
+                <a:latin typeface="Arial" panose="020B0604020202020204" pitchFamily="34" charset="0"/>
+                <a:cs typeface="Arial" panose="020B0604020202020204" pitchFamily="34" charset="0"/>
+                <a:hlinkClick r:id="rId2"/>
+              </a:rPr>
+              <a:t>https://join.skype.com/BnvN2P9bJSEO</a:t>
+            </a:r>
+            <a:r>
+              <a:rPr lang="en-US" sz="2800" dirty="0">
+                <a:latin typeface="Arial" panose="020B0604020202020204" pitchFamily="34" charset="0"/>
+                <a:cs typeface="Arial" panose="020B0604020202020204" pitchFamily="34" charset="0"/>
+              </a:rPr>
+              <a:t> </a:t>
+            </a:r>
+          </a:p>
+          <a:p>
+            <a:pPr marL="0" indent="0">
+              <a:buNone/>
+            </a:pPr>
+            <a:r>
+              <a:rPr lang="en-US" sz="2800" dirty="0">
+                <a:latin typeface="Arial" panose="020B0604020202020204" pitchFamily="34" charset="0"/>
+                <a:cs typeface="Arial" panose="020B0604020202020204" pitchFamily="34" charset="0"/>
+              </a:rPr>
+              <a:t>NOTE: You do NOT need a skype account to connect</a:t>
+            </a:r>
+          </a:p>
+        </p:txBody>
+      </p:sp>
+    </p:spTree>
+    <p:extLst>
+      <p:ext uri="{BB962C8B-B14F-4D97-AF65-F5344CB8AC3E}">
+        <p14:creationId xmlns:p14="http://schemas.microsoft.com/office/powerpoint/2010/main" val="3069418284"/>
+      </p:ext>
+    </p:extLst>
+  </p:cSld>
+  <p:clrMapOvr>
+    <a:masterClrMapping/>
+  </p:clrMapOvr>
+  <mc:AlternateContent xmlns:mc="http://schemas.openxmlformats.org/markup-compatibility/2006" xmlns:p14="http://schemas.microsoft.com/office/powerpoint/2010/main">
+    <mc:Choice Requires="p14">
+      <p:transition spd="med" p14:dur="700">
+        <p:fade/>
+      </p:transition>
+    </mc:Choice>
+    <mc:Fallback xmlns="">
+      <p:transition spd="med">
+        <p:fade/>
+      </p:transition>
+    </mc:Fallback>
+  </mc:AlternateContent>
+</p:sld>
+</file>
+
+<file path=ppt/slides/slide20.xml><?xml version="1.0" encoding="utf-8"?>
 <p:sld xmlns:a="http://schemas.openxmlformats.org/drawingml/2006/main" xmlns:r="http://schemas.openxmlformats.org/officeDocument/2006/relationships" xmlns:p="http://schemas.openxmlformats.org/presentationml/2006/main">
   <p:cSld>
     <p:spTree>
@@ -10052,7 +9742,7 @@
 </p:sld>
 </file>
 
-<file path=ppt/slides/slide22.xml><?xml version="1.0" encoding="utf-8"?>
+<file path=ppt/slides/slide21.xml><?xml version="1.0" encoding="utf-8"?>
 <p:sld xmlns:a="http://schemas.openxmlformats.org/drawingml/2006/main" xmlns:r="http://schemas.openxmlformats.org/officeDocument/2006/relationships" xmlns:p="http://schemas.openxmlformats.org/presentationml/2006/main">
   <p:cSld>
     <p:spTree>
@@ -10403,7 +10093,7 @@
 </p:sld>
 </file>
 
-<file path=ppt/slides/slide23.xml><?xml version="1.0" encoding="utf-8"?>
+<file path=ppt/slides/slide22.xml><?xml version="1.0" encoding="utf-8"?>
 <p:sld xmlns:a="http://schemas.openxmlformats.org/drawingml/2006/main" xmlns:r="http://schemas.openxmlformats.org/officeDocument/2006/relationships" xmlns:p="http://schemas.openxmlformats.org/presentationml/2006/main">
   <p:cSld>
     <p:spTree>
@@ -10948,7 +10638,7 @@
 </p:sld>
 </file>
 
-<file path=ppt/slides/slide24.xml><?xml version="1.0" encoding="utf-8"?>
+<file path=ppt/slides/slide23.xml><?xml version="1.0" encoding="utf-8"?>
 <p:sld xmlns:a="http://schemas.openxmlformats.org/drawingml/2006/main" xmlns:r="http://schemas.openxmlformats.org/officeDocument/2006/relationships" xmlns:p="http://schemas.openxmlformats.org/presentationml/2006/main">
   <p:cSld>
     <p:spTree>
@@ -11039,7 +10729,7 @@
 </p:sld>
 </file>
 
-<file path=ppt/slides/slide25.xml><?xml version="1.0" encoding="utf-8"?>
+<file path=ppt/slides/slide24.xml><?xml version="1.0" encoding="utf-8"?>
 <p:sld xmlns:a="http://schemas.openxmlformats.org/drawingml/2006/main" xmlns:r="http://schemas.openxmlformats.org/officeDocument/2006/relationships" xmlns:p="http://schemas.openxmlformats.org/presentationml/2006/main">
   <p:cSld>
     <p:spTree>
@@ -11266,7 +10956,7 @@
 </p:sld>
 </file>
 
-<file path=ppt/slides/slide26.xml><?xml version="1.0" encoding="utf-8"?>
+<file path=ppt/slides/slide25.xml><?xml version="1.0" encoding="utf-8"?>
 <p:sld xmlns:a="http://schemas.openxmlformats.org/drawingml/2006/main" xmlns:r="http://schemas.openxmlformats.org/officeDocument/2006/relationships" xmlns:p="http://schemas.openxmlformats.org/presentationml/2006/main">
   <p:cSld>
     <p:spTree>
@@ -12029,7 +11719,7 @@
                 <a:latin typeface="Arial" panose="020B0604020202020204" pitchFamily="34" charset="0"/>
                 <a:cs typeface="Arial" panose="020B0604020202020204" pitchFamily="34" charset="0"/>
               </a:rPr>
-              <a:t>one value</a:t>
+              <a:t>one value or object</a:t>
             </a:r>
           </a:p>
           <a:p>

--- a/Class2/IntroR_Class2_Presentation.pptx
+++ b/Class2/IntroR_Class2_Presentation.pptx
@@ -241,7 +241,7 @@
           <a:p>
             <a:fld id="{59088EAF-6ECA-4616-85EF-35AA19C641F3}" type="datetimeFigureOut">
               <a:rPr lang="en-US"/>
-              <a:t>7/19/19</a:t>
+              <a:t>7/23/19</a:t>
             </a:fld>
             <a:endParaRPr/>
           </a:p>
@@ -406,7 +406,7 @@
           <a:p>
             <a:fld id="{3ABD2D7A-D230-4F91-BD59-0A39C2703BA8}" type="datetimeFigureOut">
               <a:rPr lang="en-US"/>
-              <a:t>7/19/19</a:t>
+              <a:t>7/23/19</a:t>
             </a:fld>
             <a:endParaRPr/>
           </a:p>
@@ -2468,7 +2468,7 @@
           <a:p>
             <a:fld id="{03F41C87-7AD9-4845-A077-840E4A0F3F06}" type="datetimeFigureOut">
               <a:rPr lang="en-US"/>
-              <a:t>7/19/19</a:t>
+              <a:t>7/23/19</a:t>
             </a:fld>
             <a:endParaRPr/>
           </a:p>
@@ -2660,7 +2660,7 @@
           <a:p>
             <a:fld id="{03F41C87-7AD9-4845-A077-840E4A0F3F06}" type="datetimeFigureOut">
               <a:rPr lang="en-US"/>
-              <a:t>7/19/19</a:t>
+              <a:t>7/23/19</a:t>
             </a:fld>
             <a:endParaRPr/>
           </a:p>
@@ -2849,7 +2849,7 @@
           <a:p>
             <a:fld id="{03F41C87-7AD9-4845-A077-840E4A0F3F06}" type="datetimeFigureOut">
               <a:rPr lang="en-US"/>
-              <a:t>7/19/19</a:t>
+              <a:t>7/23/19</a:t>
             </a:fld>
             <a:endParaRPr/>
           </a:p>
@@ -3115,7 +3115,7 @@
           <a:p>
             <a:fld id="{03F41C87-7AD9-4845-A077-840E4A0F3F06}" type="datetimeFigureOut">
               <a:rPr lang="en-US"/>
-              <a:t>7/19/19</a:t>
+              <a:t>7/23/19</a:t>
             </a:fld>
             <a:endParaRPr/>
           </a:p>
@@ -3419,7 +3419,7 @@
           <a:p>
             <a:fld id="{03F41C87-7AD9-4845-A077-840E4A0F3F06}" type="datetimeFigureOut">
               <a:rPr lang="en-US"/>
-              <a:t>7/19/19</a:t>
+              <a:t>7/23/19</a:t>
             </a:fld>
             <a:endParaRPr/>
           </a:p>
@@ -3875,7 +3875,7 @@
           <a:p>
             <a:fld id="{03F41C87-7AD9-4845-A077-840E4A0F3F06}" type="datetimeFigureOut">
               <a:rPr lang="en-US"/>
-              <a:t>7/19/19</a:t>
+              <a:t>7/23/19</a:t>
             </a:fld>
             <a:endParaRPr/>
           </a:p>
@@ -4005,7 +4005,7 @@
           <a:p>
             <a:fld id="{03F41C87-7AD9-4845-A077-840E4A0F3F06}" type="datetimeFigureOut">
               <a:rPr lang="en-US"/>
-              <a:t>7/19/19</a:t>
+              <a:t>7/23/19</a:t>
             </a:fld>
             <a:endParaRPr/>
           </a:p>
@@ -4112,7 +4112,7 @@
           <a:p>
             <a:fld id="{03F41C87-7AD9-4845-A077-840E4A0F3F06}" type="datetimeFigureOut">
               <a:rPr lang="en-US"/>
-              <a:t>7/19/19</a:t>
+              <a:t>7/23/19</a:t>
             </a:fld>
             <a:endParaRPr/>
           </a:p>
@@ -4420,7 +4420,7 @@
           <a:p>
             <a:fld id="{03F41C87-7AD9-4845-A077-840E4A0F3F06}" type="datetimeFigureOut">
               <a:rPr lang="en-US"/>
-              <a:t>7/19/19</a:t>
+              <a:t>7/23/19</a:t>
             </a:fld>
             <a:endParaRPr/>
           </a:p>
@@ -4718,7 +4718,7 @@
             <a:fld id="{03F41C87-7AD9-4845-A077-840E4A0F3F06}" type="datetimeFigureOut">
               <a:rPr lang="en-US"/>
               <a:pPr/>
-              <a:t>7/19/19</a:t>
+              <a:t>7/23/19</a:t>
             </a:fld>
             <a:endParaRPr/>
           </a:p>
@@ -4972,7 +4972,7 @@
             <a:fld id="{03F41C87-7AD9-4845-A077-840E4A0F3F06}" type="datetimeFigureOut">
               <a:rPr lang="en-US" smtClean="0"/>
               <a:pPr/>
-              <a:t>7/19/19</a:t>
+              <a:t>7/23/19</a:t>
             </a:fld>
             <a:endParaRPr lang="en-US"/>
           </a:p>
